--- a/Week2/Kitty Cat Space Map Mockup.pptx
+++ b/Week2/Kitty Cat Space Map Mockup.pptx
@@ -11,8 +11,12 @@
     <p:sldId id="260" r:id="rId5"/>
     <p:sldId id="263" r:id="rId6"/>
     <p:sldId id="262" r:id="rId7"/>
-    <p:sldId id="257" r:id="rId8"/>
-    <p:sldId id="258" r:id="rId9"/>
+    <p:sldId id="264" r:id="rId8"/>
+    <p:sldId id="265" r:id="rId9"/>
+    <p:sldId id="266" r:id="rId10"/>
+    <p:sldId id="267" r:id="rId11"/>
+    <p:sldId id="257" r:id="rId12"/>
+    <p:sldId id="258" r:id="rId13"/>
   </p:sldIdLst>
   <p:sldSz cx="12192000" cy="6858000"/>
   <p:notesSz cx="6858000" cy="9144000"/>
@@ -111,6 +115,11 @@
       </a:defRPr>
     </a:lvl9pPr>
   </p:defaultTextStyle>
+  <p:extLst>
+    <p:ext uri="{EFAFB233-063F-42B5-8137-9DF3F51BA10A}">
+      <p15:sldGuideLst xmlns:p15="http://schemas.microsoft.com/office/powerpoint/2012/main"/>
+    </p:ext>
+  </p:extLst>
 </p:presentation>
 </file>
 
@@ -3430,6 +3439,299 @@
 </p:sld>
 </file>
 
+<file path=ppt/slides/slide10.xml><?xml version="1.0" encoding="utf-8"?>
+<p:sld xmlns:a="http://schemas.openxmlformats.org/drawingml/2006/main" xmlns:r="http://schemas.openxmlformats.org/officeDocument/2006/relationships" xmlns:p="http://schemas.openxmlformats.org/presentationml/2006/main">
+  <p:cSld>
+    <p:spTree>
+      <p:nvGrpSpPr>
+        <p:cNvPr id="1" name=""/>
+        <p:cNvGrpSpPr/>
+        <p:nvPr/>
+      </p:nvGrpSpPr>
+      <p:grpSpPr>
+        <a:xfrm>
+          <a:off x="0" y="0"/>
+          <a:ext cx="0" cy="0"/>
+          <a:chOff x="0" y="0"/>
+          <a:chExt cx="0" cy="0"/>
+        </a:xfrm>
+      </p:grpSpPr>
+      <p:sp>
+        <p:nvSpPr>
+          <p:cNvPr id="2" name="Title 1"/>
+          <p:cNvSpPr>
+            <a:spLocks noGrp="1"/>
+          </p:cNvSpPr>
+          <p:nvPr>
+            <p:ph type="title"/>
+          </p:nvPr>
+        </p:nvSpPr>
+        <p:spPr/>
+        <p:txBody>
+          <a:bodyPr/>
+          <a:lstStyle/>
+          <a:p>
+            <a:r>
+              <a:rPr lang="en-US" dirty="0" smtClean="0"/>
+              <a:t>More</a:t>
+            </a:r>
+            <a:br>
+              <a:rPr lang="en-US" dirty="0" smtClean="0"/>
+            </a:br>
+            <a:r>
+              <a:rPr lang="en-US" dirty="0" smtClean="0"/>
+              <a:t>Gameplay</a:t>
+            </a:r>
+            <a:endParaRPr lang="en-US" dirty="0"/>
+          </a:p>
+        </p:txBody>
+      </p:sp>
+      <p:pic>
+        <p:nvPicPr>
+          <p:cNvPr id="4" name="Content Placeholder 3"/>
+          <p:cNvPicPr>
+            <a:picLocks noGrp="1" noChangeAspect="1"/>
+          </p:cNvPicPr>
+          <p:nvPr>
+            <p:ph idx="1"/>
+          </p:nvPr>
+        </p:nvPicPr>
+        <p:blipFill>
+          <a:blip r:embed="rId2"/>
+          <a:stretch>
+            <a:fillRect/>
+          </a:stretch>
+        </p:blipFill>
+        <p:spPr>
+          <a:xfrm>
+            <a:off x="3868738" y="1267912"/>
+            <a:ext cx="7315200" cy="4312650"/>
+          </a:xfrm>
+          <a:prstGeom prst="rect">
+            <a:avLst/>
+          </a:prstGeom>
+        </p:spPr>
+      </p:pic>
+      <p:pic>
+        <p:nvPicPr>
+          <p:cNvPr id="5" name="Picture 4"/>
+          <p:cNvPicPr>
+            <a:picLocks noChangeAspect="1"/>
+          </p:cNvPicPr>
+          <p:nvPr/>
+        </p:nvPicPr>
+        <p:blipFill>
+          <a:blip r:embed="rId3">
+            <a:extLst>
+              <a:ext uri="{28A0092B-C50C-407E-A947-70E740481C1C}">
+                <a14:useLocalDpi xmlns:a14="http://schemas.microsoft.com/office/drawing/2010/main" val="0"/>
+              </a:ext>
+            </a:extLst>
+          </a:blip>
+          <a:stretch>
+            <a:fillRect/>
+          </a:stretch>
+        </p:blipFill>
+        <p:spPr>
+          <a:xfrm>
+            <a:off x="5149403" y="1687132"/>
+            <a:ext cx="5177306" cy="3451537"/>
+          </a:xfrm>
+          <a:prstGeom prst="rect">
+            <a:avLst/>
+          </a:prstGeom>
+        </p:spPr>
+      </p:pic>
+    </p:spTree>
+    <p:extLst>
+      <p:ext uri="{BB962C8B-B14F-4D97-AF65-F5344CB8AC3E}">
+        <p14:creationId xmlns:p14="http://schemas.microsoft.com/office/powerpoint/2010/main" val="1278646712"/>
+      </p:ext>
+    </p:extLst>
+  </p:cSld>
+  <p:clrMapOvr>
+    <a:masterClrMapping/>
+  </p:clrMapOvr>
+  <p:timing>
+    <p:tnLst>
+      <p:par>
+        <p:cTn id="1" dur="indefinite" restart="never" nodeType="tmRoot"/>
+      </p:par>
+    </p:tnLst>
+  </p:timing>
+</p:sld>
+</file>
+
+<file path=ppt/slides/slide11.xml><?xml version="1.0" encoding="utf-8"?>
+<p:sld xmlns:a="http://schemas.openxmlformats.org/drawingml/2006/main" xmlns:r="http://schemas.openxmlformats.org/officeDocument/2006/relationships" xmlns:p="http://schemas.openxmlformats.org/presentationml/2006/main">
+  <p:cSld>
+    <p:spTree>
+      <p:nvGrpSpPr>
+        <p:cNvPr id="1" name=""/>
+        <p:cNvGrpSpPr/>
+        <p:nvPr/>
+      </p:nvGrpSpPr>
+      <p:grpSpPr>
+        <a:xfrm>
+          <a:off x="0" y="0"/>
+          <a:ext cx="0" cy="0"/>
+          <a:chOff x="0" y="0"/>
+          <a:chExt cx="0" cy="0"/>
+        </a:xfrm>
+      </p:grpSpPr>
+      <p:sp>
+        <p:nvSpPr>
+          <p:cNvPr id="2" name="Title 1"/>
+          <p:cNvSpPr>
+            <a:spLocks noGrp="1"/>
+          </p:cNvSpPr>
+          <p:nvPr>
+            <p:ph type="title"/>
+          </p:nvPr>
+        </p:nvSpPr>
+        <p:spPr/>
+        <p:txBody>
+          <a:bodyPr/>
+          <a:lstStyle/>
+          <a:p>
+            <a:r>
+              <a:rPr lang="en-US" dirty="0" smtClean="0"/>
+              <a:t>Flowchart</a:t>
+            </a:r>
+            <a:endParaRPr lang="en-US" dirty="0"/>
+          </a:p>
+        </p:txBody>
+      </p:sp>
+      <p:pic>
+        <p:nvPicPr>
+          <p:cNvPr id="15" name="Content Placeholder 14"/>
+          <p:cNvPicPr>
+            <a:picLocks noGrp="1" noChangeAspect="1"/>
+          </p:cNvPicPr>
+          <p:nvPr>
+            <p:ph idx="1"/>
+          </p:nvPr>
+        </p:nvPicPr>
+        <p:blipFill>
+          <a:blip r:embed="rId2"/>
+          <a:stretch>
+            <a:fillRect/>
+          </a:stretch>
+        </p:blipFill>
+        <p:spPr>
+          <a:xfrm>
+            <a:off x="5118204" y="863600"/>
+            <a:ext cx="4816267" cy="5121275"/>
+          </a:xfrm>
+          <a:prstGeom prst="rect">
+            <a:avLst/>
+          </a:prstGeom>
+        </p:spPr>
+      </p:pic>
+    </p:spTree>
+    <p:extLst>
+      <p:ext uri="{BB962C8B-B14F-4D97-AF65-F5344CB8AC3E}">
+        <p14:creationId xmlns:p14="http://schemas.microsoft.com/office/powerpoint/2010/main" val="2724959844"/>
+      </p:ext>
+    </p:extLst>
+  </p:cSld>
+  <p:clrMapOvr>
+    <a:masterClrMapping/>
+  </p:clrMapOvr>
+  <p:timing>
+    <p:tnLst>
+      <p:par>
+        <p:cTn id="1" dur="indefinite" restart="never" nodeType="tmRoot"/>
+      </p:par>
+    </p:tnLst>
+  </p:timing>
+</p:sld>
+</file>
+
+<file path=ppt/slides/slide12.xml><?xml version="1.0" encoding="utf-8"?>
+<p:sld xmlns:a="http://schemas.openxmlformats.org/drawingml/2006/main" xmlns:r="http://schemas.openxmlformats.org/officeDocument/2006/relationships" xmlns:p="http://schemas.openxmlformats.org/presentationml/2006/main">
+  <p:cSld>
+    <p:bg>
+      <p:bgPr>
+        <a:solidFill>
+          <a:srgbClr val="191B2A"/>
+        </a:solidFill>
+        <a:effectLst/>
+      </p:bgPr>
+    </p:bg>
+    <p:spTree>
+      <p:nvGrpSpPr>
+        <p:cNvPr id="1" name=""/>
+        <p:cNvGrpSpPr/>
+        <p:nvPr/>
+      </p:nvGrpSpPr>
+      <p:grpSpPr>
+        <a:xfrm>
+          <a:off x="0" y="0"/>
+          <a:ext cx="0" cy="0"/>
+          <a:chOff x="0" y="0"/>
+          <a:chExt cx="0" cy="0"/>
+        </a:xfrm>
+      </p:grpSpPr>
+      <p:sp>
+        <p:nvSpPr>
+          <p:cNvPr id="2" name="TextBox 1"/>
+          <p:cNvSpPr txBox="1"/>
+          <p:nvPr/>
+        </p:nvSpPr>
+        <p:spPr>
+          <a:xfrm>
+            <a:off x="1219200" y="2603500"/>
+            <a:ext cx="9702800" cy="1200329"/>
+          </a:xfrm>
+          <a:prstGeom prst="rect">
+            <a:avLst/>
+          </a:prstGeom>
+          <a:noFill/>
+        </p:spPr>
+        <p:txBody>
+          <a:bodyPr wrap="square" rtlCol="0">
+            <a:spAutoFit/>
+          </a:bodyPr>
+          <a:lstStyle/>
+          <a:p>
+            <a:pPr algn="ctr"/>
+            <a:r>
+              <a:rPr lang="en-US" sz="7200" dirty="0" smtClean="0">
+                <a:solidFill>
+                  <a:schemeClr val="bg1"/>
+                </a:solidFill>
+              </a:rPr>
+              <a:t>Questions?</a:t>
+            </a:r>
+            <a:endParaRPr lang="en-US" sz="7200" dirty="0">
+              <a:solidFill>
+                <a:schemeClr val="bg1"/>
+              </a:solidFill>
+            </a:endParaRPr>
+          </a:p>
+        </p:txBody>
+      </p:sp>
+    </p:spTree>
+    <p:extLst>
+      <p:ext uri="{BB962C8B-B14F-4D97-AF65-F5344CB8AC3E}">
+        <p14:creationId xmlns:p14="http://schemas.microsoft.com/office/powerpoint/2010/main" val="719871467"/>
+      </p:ext>
+    </p:extLst>
+  </p:cSld>
+  <p:clrMapOvr>
+    <a:masterClrMapping/>
+  </p:clrMapOvr>
+  <p:timing>
+    <p:tnLst>
+      <p:par>
+        <p:cTn id="1" dur="indefinite" restart="never" nodeType="tmRoot"/>
+      </p:par>
+    </p:tnLst>
+  </p:timing>
+</p:sld>
+</file>
+
 <file path=ppt/slides/slide2.xml><?xml version="1.0" encoding="utf-8"?>
 <p:sld xmlns:a="http://schemas.openxmlformats.org/drawingml/2006/main" xmlns:r="http://schemas.openxmlformats.org/officeDocument/2006/relationships" xmlns:p="http://schemas.openxmlformats.org/presentationml/2006/main">
   <p:cSld>
@@ -3470,25 +3772,62 @@
           </a:p>
         </p:txBody>
       </p:sp>
-      <p:sp>
-        <p:nvSpPr>
-          <p:cNvPr id="3" name="Content Placeholder 2"/>
-          <p:cNvSpPr>
-            <a:spLocks noGrp="1"/>
-          </p:cNvSpPr>
+      <p:pic>
+        <p:nvPicPr>
+          <p:cNvPr id="10" name="Content Placeholder 9"/>
+          <p:cNvPicPr>
+            <a:picLocks noGrp="1" noChangeAspect="1"/>
+          </p:cNvPicPr>
           <p:nvPr>
             <p:ph idx="1"/>
           </p:nvPr>
-        </p:nvSpPr>
-        <p:spPr/>
-        <p:txBody>
-          <a:bodyPr/>
-          <a:lstStyle/>
-          <a:p>
-            <a:endParaRPr lang="en-US" dirty="0"/>
-          </a:p>
-        </p:txBody>
-      </p:sp>
+        </p:nvPicPr>
+        <p:blipFill>
+          <a:blip r:embed="rId2"/>
+          <a:stretch>
+            <a:fillRect/>
+          </a:stretch>
+        </p:blipFill>
+        <p:spPr>
+          <a:xfrm>
+            <a:off x="3868738" y="1267912"/>
+            <a:ext cx="7315200" cy="4312650"/>
+          </a:xfrm>
+          <a:prstGeom prst="rect">
+            <a:avLst/>
+          </a:prstGeom>
+        </p:spPr>
+      </p:pic>
+      <p:pic>
+        <p:nvPicPr>
+          <p:cNvPr id="11" name="Picture 10"/>
+          <p:cNvPicPr>
+            <a:picLocks noChangeAspect="1"/>
+          </p:cNvPicPr>
+          <p:nvPr/>
+        </p:nvPicPr>
+        <p:blipFill>
+          <a:blip r:embed="rId3">
+            <a:extLst>
+              <a:ext uri="{28A0092B-C50C-407E-A947-70E740481C1C}">
+                <a14:useLocalDpi xmlns:a14="http://schemas.microsoft.com/office/drawing/2010/main" val="0"/>
+              </a:ext>
+            </a:extLst>
+          </a:blip>
+          <a:stretch>
+            <a:fillRect/>
+          </a:stretch>
+        </p:blipFill>
+        <p:spPr>
+          <a:xfrm>
+            <a:off x="5117988" y="1680923"/>
+            <a:ext cx="5185111" cy="3456741"/>
+          </a:xfrm>
+          <a:prstGeom prst="rect">
+            <a:avLst/>
+          </a:prstGeom>
+        </p:spPr>
+      </p:pic>
     </p:spTree>
     <p:extLst>
       <p:ext uri="{BB962C8B-B14F-4D97-AF65-F5344CB8AC3E}">
@@ -3549,25 +3888,62 @@
           </a:p>
         </p:txBody>
       </p:sp>
-      <p:sp>
-        <p:nvSpPr>
-          <p:cNvPr id="3" name="Content Placeholder 2"/>
-          <p:cNvSpPr>
-            <a:spLocks noGrp="1"/>
-          </p:cNvSpPr>
+      <p:pic>
+        <p:nvPicPr>
+          <p:cNvPr id="4" name="Content Placeholder 3"/>
+          <p:cNvPicPr>
+            <a:picLocks noGrp="1" noChangeAspect="1"/>
+          </p:cNvPicPr>
           <p:nvPr>
             <p:ph idx="1"/>
           </p:nvPr>
-        </p:nvSpPr>
-        <p:spPr/>
-        <p:txBody>
-          <a:bodyPr/>
-          <a:lstStyle/>
-          <a:p>
-            <a:endParaRPr lang="en-US"/>
-          </a:p>
-        </p:txBody>
-      </p:sp>
+        </p:nvPicPr>
+        <p:blipFill>
+          <a:blip r:embed="rId2"/>
+          <a:stretch>
+            <a:fillRect/>
+          </a:stretch>
+        </p:blipFill>
+        <p:spPr>
+          <a:xfrm>
+            <a:off x="3868738" y="1267912"/>
+            <a:ext cx="7315200" cy="4312650"/>
+          </a:xfrm>
+          <a:prstGeom prst="rect">
+            <a:avLst/>
+          </a:prstGeom>
+        </p:spPr>
+      </p:pic>
+      <p:pic>
+        <p:nvPicPr>
+          <p:cNvPr id="5" name="Picture 4"/>
+          <p:cNvPicPr>
+            <a:picLocks noChangeAspect="1"/>
+          </p:cNvPicPr>
+          <p:nvPr/>
+        </p:nvPicPr>
+        <p:blipFill>
+          <a:blip r:embed="rId3">
+            <a:extLst>
+              <a:ext uri="{28A0092B-C50C-407E-A947-70E740481C1C}">
+                <a14:useLocalDpi xmlns:a14="http://schemas.microsoft.com/office/drawing/2010/main" val="0"/>
+              </a:ext>
+            </a:extLst>
+          </a:blip>
+          <a:stretch>
+            <a:fillRect/>
+          </a:stretch>
+        </p:blipFill>
+        <p:spPr>
+          <a:xfrm>
+            <a:off x="5110765" y="1686058"/>
+            <a:ext cx="5115059" cy="3410039"/>
+          </a:xfrm>
+          <a:prstGeom prst="rect">
+            <a:avLst/>
+          </a:prstGeom>
+        </p:spPr>
+      </p:pic>
     </p:spTree>
     <p:extLst>
       <p:ext uri="{BB962C8B-B14F-4D97-AF65-F5344CB8AC3E}">
@@ -3622,31 +3998,68 @@
           <a:p>
             <a:r>
               <a:rPr lang="en-US" dirty="0" smtClean="0"/>
-              <a:t>Gameplay</a:t>
-            </a:r>
-            <a:endParaRPr lang="en-US" dirty="0"/>
-          </a:p>
-        </p:txBody>
-      </p:sp>
-      <p:sp>
-        <p:nvSpPr>
-          <p:cNvPr id="3" name="Content Placeholder 2"/>
-          <p:cNvSpPr>
-            <a:spLocks noGrp="1"/>
-          </p:cNvSpPr>
+              <a:t>Loading</a:t>
+            </a:r>
+            <a:endParaRPr lang="en-US" dirty="0"/>
+          </a:p>
+        </p:txBody>
+      </p:sp>
+      <p:pic>
+        <p:nvPicPr>
+          <p:cNvPr id="8" name="Content Placeholder 3"/>
+          <p:cNvPicPr>
+            <a:picLocks noGrp="1" noChangeAspect="1"/>
+          </p:cNvPicPr>
           <p:nvPr>
             <p:ph idx="1"/>
           </p:nvPr>
-        </p:nvSpPr>
-        <p:spPr/>
-        <p:txBody>
-          <a:bodyPr/>
-          <a:lstStyle/>
-          <a:p>
-            <a:endParaRPr lang="en-US" dirty="0"/>
-          </a:p>
-        </p:txBody>
-      </p:sp>
+        </p:nvPicPr>
+        <p:blipFill>
+          <a:blip r:embed="rId2"/>
+          <a:stretch>
+            <a:fillRect/>
+          </a:stretch>
+        </p:blipFill>
+        <p:spPr>
+          <a:xfrm>
+            <a:off x="3868738" y="1268101"/>
+            <a:ext cx="7315200" cy="4312650"/>
+          </a:xfrm>
+          <a:prstGeom prst="rect">
+            <a:avLst/>
+          </a:prstGeom>
+        </p:spPr>
+      </p:pic>
+      <p:pic>
+        <p:nvPicPr>
+          <p:cNvPr id="6" name="Picture 5"/>
+          <p:cNvPicPr>
+            <a:picLocks noChangeAspect="1"/>
+          </p:cNvPicPr>
+          <p:nvPr/>
+        </p:nvPicPr>
+        <p:blipFill>
+          <a:blip r:embed="rId3">
+            <a:extLst>
+              <a:ext uri="{28A0092B-C50C-407E-A947-70E740481C1C}">
+                <a14:useLocalDpi xmlns:a14="http://schemas.microsoft.com/office/drawing/2010/main" val="0"/>
+              </a:ext>
+            </a:extLst>
+          </a:blip>
+          <a:stretch>
+            <a:fillRect/>
+          </a:stretch>
+        </p:blipFill>
+        <p:spPr>
+          <a:xfrm>
+            <a:off x="5123645" y="1674254"/>
+            <a:ext cx="5202107" cy="3468070"/>
+          </a:xfrm>
+          <a:prstGeom prst="rect">
+            <a:avLst/>
+          </a:prstGeom>
+        </p:spPr>
+      </p:pic>
     </p:spTree>
     <p:extLst>
       <p:ext uri="{BB962C8B-B14F-4D97-AF65-F5344CB8AC3E}">
@@ -3701,31 +4114,68 @@
           <a:p>
             <a:r>
               <a:rPr lang="en-US" dirty="0" smtClean="0"/>
-              <a:t>More Gameplay</a:t>
-            </a:r>
-            <a:endParaRPr lang="en-US" dirty="0"/>
-          </a:p>
-        </p:txBody>
-      </p:sp>
-      <p:sp>
-        <p:nvSpPr>
-          <p:cNvPr id="3" name="Content Placeholder 2"/>
-          <p:cNvSpPr>
-            <a:spLocks noGrp="1"/>
-          </p:cNvSpPr>
+              <a:t>Loading</a:t>
+            </a:r>
+            <a:endParaRPr lang="en-US" dirty="0"/>
+          </a:p>
+        </p:txBody>
+      </p:sp>
+      <p:pic>
+        <p:nvPicPr>
+          <p:cNvPr id="4" name="Content Placeholder 3"/>
+          <p:cNvPicPr>
+            <a:picLocks noGrp="1" noChangeAspect="1"/>
+          </p:cNvPicPr>
           <p:nvPr>
             <p:ph idx="1"/>
           </p:nvPr>
-        </p:nvSpPr>
-        <p:spPr/>
-        <p:txBody>
-          <a:bodyPr/>
-          <a:lstStyle/>
-          <a:p>
-            <a:endParaRPr lang="en-US"/>
-          </a:p>
-        </p:txBody>
-      </p:sp>
+        </p:nvPicPr>
+        <p:blipFill>
+          <a:blip r:embed="rId2"/>
+          <a:stretch>
+            <a:fillRect/>
+          </a:stretch>
+        </p:blipFill>
+        <p:spPr>
+          <a:xfrm>
+            <a:off x="3868738" y="1267912"/>
+            <a:ext cx="7315200" cy="4312650"/>
+          </a:xfrm>
+          <a:prstGeom prst="rect">
+            <a:avLst/>
+          </a:prstGeom>
+        </p:spPr>
+      </p:pic>
+      <p:pic>
+        <p:nvPicPr>
+          <p:cNvPr id="5" name="Picture 4"/>
+          <p:cNvPicPr>
+            <a:picLocks noChangeAspect="1"/>
+          </p:cNvPicPr>
+          <p:nvPr/>
+        </p:nvPicPr>
+        <p:blipFill>
+          <a:blip r:embed="rId3">
+            <a:extLst>
+              <a:ext uri="{28A0092B-C50C-407E-A947-70E740481C1C}">
+                <a14:useLocalDpi xmlns:a14="http://schemas.microsoft.com/office/drawing/2010/main" val="0"/>
+              </a:ext>
+            </a:extLst>
+          </a:blip>
+          <a:stretch>
+            <a:fillRect/>
+          </a:stretch>
+        </p:blipFill>
+        <p:spPr>
+          <a:xfrm>
+            <a:off x="5150186" y="1687132"/>
+            <a:ext cx="5201433" cy="3467621"/>
+          </a:xfrm>
+          <a:prstGeom prst="rect">
+            <a:avLst/>
+          </a:prstGeom>
+        </p:spPr>
+      </p:pic>
     </p:spTree>
     <p:extLst>
       <p:ext uri="{BB962C8B-B14F-4D97-AF65-F5344CB8AC3E}">
@@ -3780,31 +4230,68 @@
           <a:p>
             <a:r>
               <a:rPr lang="en-US" dirty="0" smtClean="0"/>
-              <a:t>Gameplay</a:t>
-            </a:r>
-            <a:endParaRPr lang="en-US" dirty="0"/>
-          </a:p>
-        </p:txBody>
-      </p:sp>
-      <p:sp>
-        <p:nvSpPr>
-          <p:cNvPr id="3" name="Content Placeholder 2"/>
-          <p:cNvSpPr>
-            <a:spLocks noGrp="1"/>
-          </p:cNvSpPr>
+              <a:t>Loading</a:t>
+            </a:r>
+            <a:endParaRPr lang="en-US" dirty="0"/>
+          </a:p>
+        </p:txBody>
+      </p:sp>
+      <p:pic>
+        <p:nvPicPr>
+          <p:cNvPr id="4" name="Content Placeholder 3"/>
+          <p:cNvPicPr>
+            <a:picLocks noGrp="1" noChangeAspect="1"/>
+          </p:cNvPicPr>
           <p:nvPr>
             <p:ph idx="1"/>
           </p:nvPr>
-        </p:nvSpPr>
-        <p:spPr/>
-        <p:txBody>
-          <a:bodyPr/>
-          <a:lstStyle/>
-          <a:p>
-            <a:endParaRPr lang="en-US"/>
-          </a:p>
-        </p:txBody>
-      </p:sp>
+        </p:nvPicPr>
+        <p:blipFill>
+          <a:blip r:embed="rId2"/>
+          <a:stretch>
+            <a:fillRect/>
+          </a:stretch>
+        </p:blipFill>
+        <p:spPr>
+          <a:xfrm>
+            <a:off x="3868738" y="1267912"/>
+            <a:ext cx="7315200" cy="4312650"/>
+          </a:xfrm>
+          <a:prstGeom prst="rect">
+            <a:avLst/>
+          </a:prstGeom>
+        </p:spPr>
+      </p:pic>
+      <p:pic>
+        <p:nvPicPr>
+          <p:cNvPr id="5" name="Picture 4"/>
+          <p:cNvPicPr>
+            <a:picLocks noChangeAspect="1"/>
+          </p:cNvPicPr>
+          <p:nvPr/>
+        </p:nvPicPr>
+        <p:blipFill>
+          <a:blip r:embed="rId3">
+            <a:extLst>
+              <a:ext uri="{28A0092B-C50C-407E-A947-70E740481C1C}">
+                <a14:useLocalDpi xmlns:a14="http://schemas.microsoft.com/office/drawing/2010/main" val="0"/>
+              </a:ext>
+            </a:extLst>
+          </a:blip>
+          <a:stretch>
+            <a:fillRect/>
+          </a:stretch>
+        </p:blipFill>
+        <p:spPr>
+          <a:xfrm>
+            <a:off x="5149404" y="1704370"/>
+            <a:ext cx="5159600" cy="3439733"/>
+          </a:xfrm>
+          <a:prstGeom prst="rect">
+            <a:avLst/>
+          </a:prstGeom>
+        </p:spPr>
+      </p:pic>
     </p:spTree>
     <p:extLst>
       <p:ext uri="{BB962C8B-B14F-4D97-AF65-F5344CB8AC3E}">
@@ -3859,7 +4346,7 @@
           <a:p>
             <a:r>
               <a:rPr lang="en-US" dirty="0" smtClean="0"/>
-              <a:t>Flowchart</a:t>
+              <a:t>Gameplay</a:t>
             </a:r>
             <a:endParaRPr lang="en-US" dirty="0"/>
           </a:p>
@@ -3867,7 +4354,7 @@
       </p:sp>
       <p:pic>
         <p:nvPicPr>
-          <p:cNvPr id="15" name="Content Placeholder 14"/>
+          <p:cNvPr id="4" name="Content Placeholder 3"/>
           <p:cNvPicPr>
             <a:picLocks noGrp="1" noChangeAspect="1"/>
           </p:cNvPicPr>
@@ -3883,8 +4370,38 @@
         </p:blipFill>
         <p:spPr>
           <a:xfrm>
-            <a:off x="5118204" y="863600"/>
-            <a:ext cx="4816267" cy="5121275"/>
+            <a:off x="3868738" y="1267912"/>
+            <a:ext cx="7315200" cy="4312650"/>
+          </a:xfrm>
+          <a:prstGeom prst="rect">
+            <a:avLst/>
+          </a:prstGeom>
+        </p:spPr>
+      </p:pic>
+      <p:pic>
+        <p:nvPicPr>
+          <p:cNvPr id="3" name="Picture 2"/>
+          <p:cNvPicPr>
+            <a:picLocks noChangeAspect="1"/>
+          </p:cNvPicPr>
+          <p:nvPr/>
+        </p:nvPicPr>
+        <p:blipFill>
+          <a:blip r:embed="rId3">
+            <a:extLst>
+              <a:ext uri="{28A0092B-C50C-407E-A947-70E740481C1C}">
+                <a14:useLocalDpi xmlns:a14="http://schemas.microsoft.com/office/drawing/2010/main" val="0"/>
+              </a:ext>
+            </a:extLst>
+          </a:blip>
+          <a:stretch>
+            <a:fillRect/>
+          </a:stretch>
+        </p:blipFill>
+        <p:spPr>
+          <a:xfrm>
+            <a:off x="5162281" y="1697931"/>
+            <a:ext cx="5178918" cy="3452612"/>
           </a:xfrm>
           <a:prstGeom prst="rect">
             <a:avLst/>
@@ -3894,7 +4411,7 @@
     </p:spTree>
     <p:extLst>
       <p:ext uri="{BB962C8B-B14F-4D97-AF65-F5344CB8AC3E}">
-        <p14:creationId xmlns:p14="http://schemas.microsoft.com/office/powerpoint/2010/main" val="2724959844"/>
+        <p14:creationId xmlns:p14="http://schemas.microsoft.com/office/powerpoint/2010/main" val="3556924187"/>
       </p:ext>
     </p:extLst>
   </p:cSld>
@@ -3914,14 +4431,6 @@
 <file path=ppt/slides/slide8.xml><?xml version="1.0" encoding="utf-8"?>
 <p:sld xmlns:a="http://schemas.openxmlformats.org/drawingml/2006/main" xmlns:r="http://schemas.openxmlformats.org/officeDocument/2006/relationships" xmlns:p="http://schemas.openxmlformats.org/presentationml/2006/main">
   <p:cSld>
-    <p:bg>
-      <p:bgPr>
-        <a:solidFill>
-          <a:srgbClr val="191B2A"/>
-        </a:solidFill>
-        <a:effectLst/>
-      </p:bgPr>
-    </p:bg>
     <p:spTree>
       <p:nvGrpSpPr>
         <p:cNvPr id="1" name=""/>
@@ -3938,47 +4447,203 @@
       </p:grpSpPr>
       <p:sp>
         <p:nvSpPr>
-          <p:cNvPr id="2" name="TextBox 1"/>
-          <p:cNvSpPr txBox="1"/>
-          <p:nvPr/>
-        </p:nvSpPr>
+          <p:cNvPr id="2" name="Title 1"/>
+          <p:cNvSpPr>
+            <a:spLocks noGrp="1"/>
+          </p:cNvSpPr>
+          <p:nvPr>
+            <p:ph type="title"/>
+          </p:nvPr>
+        </p:nvSpPr>
+        <p:spPr/>
+        <p:txBody>
+          <a:bodyPr/>
+          <a:lstStyle/>
+          <a:p>
+            <a:r>
+              <a:rPr lang="en-US" dirty="0" smtClean="0"/>
+              <a:t>Gameplay</a:t>
+            </a:r>
+            <a:endParaRPr lang="en-US" dirty="0"/>
+          </a:p>
+        </p:txBody>
+      </p:sp>
+      <p:pic>
+        <p:nvPicPr>
+          <p:cNvPr id="4" name="Content Placeholder 3"/>
+          <p:cNvPicPr>
+            <a:picLocks noGrp="1" noChangeAspect="1"/>
+          </p:cNvPicPr>
+          <p:nvPr>
+            <p:ph idx="1"/>
+          </p:nvPr>
+        </p:nvPicPr>
+        <p:blipFill>
+          <a:blip r:embed="rId2"/>
+          <a:stretch>
+            <a:fillRect/>
+          </a:stretch>
+        </p:blipFill>
         <p:spPr>
           <a:xfrm>
-            <a:off x="1219200" y="2603500"/>
-            <a:ext cx="9702800" cy="1200329"/>
+            <a:off x="3868738" y="1267912"/>
+            <a:ext cx="7315200" cy="4312650"/>
           </a:xfrm>
           <a:prstGeom prst="rect">
             <a:avLst/>
           </a:prstGeom>
-          <a:noFill/>
         </p:spPr>
-        <p:txBody>
-          <a:bodyPr wrap="square" rtlCol="0">
-            <a:spAutoFit/>
-          </a:bodyPr>
-          <a:lstStyle/>
-          <a:p>
-            <a:pPr algn="ctr"/>
-            <a:r>
-              <a:rPr lang="en-US" sz="7200" dirty="0" smtClean="0">
-                <a:solidFill>
-                  <a:schemeClr val="bg1"/>
-                </a:solidFill>
-              </a:rPr>
-              <a:t>Questions?</a:t>
-            </a:r>
-            <a:endParaRPr lang="en-US" sz="7200" dirty="0">
-              <a:solidFill>
-                <a:schemeClr val="bg1"/>
-              </a:solidFill>
-            </a:endParaRPr>
-          </a:p>
-        </p:txBody>
-      </p:sp>
+      </p:pic>
+      <p:pic>
+        <p:nvPicPr>
+          <p:cNvPr id="5" name="Picture 4"/>
+          <p:cNvPicPr>
+            <a:picLocks noChangeAspect="1"/>
+          </p:cNvPicPr>
+          <p:nvPr/>
+        </p:nvPicPr>
+        <p:blipFill>
+          <a:blip r:embed="rId3">
+            <a:extLst>
+              <a:ext uri="{28A0092B-C50C-407E-A947-70E740481C1C}">
+                <a14:useLocalDpi xmlns:a14="http://schemas.microsoft.com/office/drawing/2010/main" val="0"/>
+              </a:ext>
+            </a:extLst>
+          </a:blip>
+          <a:stretch>
+            <a:fillRect/>
+          </a:stretch>
+        </p:blipFill>
+        <p:spPr>
+          <a:xfrm>
+            <a:off x="5149403" y="1694290"/>
+            <a:ext cx="5166574" cy="3444382"/>
+          </a:xfrm>
+          <a:prstGeom prst="rect">
+            <a:avLst/>
+          </a:prstGeom>
+        </p:spPr>
+      </p:pic>
     </p:spTree>
     <p:extLst>
       <p:ext uri="{BB962C8B-B14F-4D97-AF65-F5344CB8AC3E}">
-        <p14:creationId xmlns:p14="http://schemas.microsoft.com/office/powerpoint/2010/main" val="719871467"/>
+        <p14:creationId xmlns:p14="http://schemas.microsoft.com/office/powerpoint/2010/main" val="1572441908"/>
+      </p:ext>
+    </p:extLst>
+  </p:cSld>
+  <p:clrMapOvr>
+    <a:masterClrMapping/>
+  </p:clrMapOvr>
+  <p:timing>
+    <p:tnLst>
+      <p:par>
+        <p:cTn id="1" dur="indefinite" restart="never" nodeType="tmRoot"/>
+      </p:par>
+    </p:tnLst>
+  </p:timing>
+</p:sld>
+</file>
+
+<file path=ppt/slides/slide9.xml><?xml version="1.0" encoding="utf-8"?>
+<p:sld xmlns:a="http://schemas.openxmlformats.org/drawingml/2006/main" xmlns:r="http://schemas.openxmlformats.org/officeDocument/2006/relationships" xmlns:p="http://schemas.openxmlformats.org/presentationml/2006/main">
+  <p:cSld>
+    <p:spTree>
+      <p:nvGrpSpPr>
+        <p:cNvPr id="1" name=""/>
+        <p:cNvGrpSpPr/>
+        <p:nvPr/>
+      </p:nvGrpSpPr>
+      <p:grpSpPr>
+        <a:xfrm>
+          <a:off x="0" y="0"/>
+          <a:ext cx="0" cy="0"/>
+          <a:chOff x="0" y="0"/>
+          <a:chExt cx="0" cy="0"/>
+        </a:xfrm>
+      </p:grpSpPr>
+      <p:sp>
+        <p:nvSpPr>
+          <p:cNvPr id="2" name="Title 1"/>
+          <p:cNvSpPr>
+            <a:spLocks noGrp="1"/>
+          </p:cNvSpPr>
+          <p:nvPr>
+            <p:ph type="title"/>
+          </p:nvPr>
+        </p:nvSpPr>
+        <p:spPr/>
+        <p:txBody>
+          <a:bodyPr/>
+          <a:lstStyle/>
+          <a:p>
+            <a:r>
+              <a:rPr lang="en-US" dirty="0" smtClean="0"/>
+              <a:t>Gameplay</a:t>
+            </a:r>
+            <a:endParaRPr lang="en-US" dirty="0"/>
+          </a:p>
+        </p:txBody>
+      </p:sp>
+      <p:pic>
+        <p:nvPicPr>
+          <p:cNvPr id="4" name="Content Placeholder 3"/>
+          <p:cNvPicPr>
+            <a:picLocks noGrp="1" noChangeAspect="1"/>
+          </p:cNvPicPr>
+          <p:nvPr>
+            <p:ph idx="1"/>
+          </p:nvPr>
+        </p:nvPicPr>
+        <p:blipFill>
+          <a:blip r:embed="rId2"/>
+          <a:stretch>
+            <a:fillRect/>
+          </a:stretch>
+        </p:blipFill>
+        <p:spPr>
+          <a:xfrm>
+            <a:off x="3868738" y="1267912"/>
+            <a:ext cx="7315200" cy="4312650"/>
+          </a:xfrm>
+          <a:prstGeom prst="rect">
+            <a:avLst/>
+          </a:prstGeom>
+        </p:spPr>
+      </p:pic>
+      <p:pic>
+        <p:nvPicPr>
+          <p:cNvPr id="3" name="Picture 2"/>
+          <p:cNvPicPr>
+            <a:picLocks noChangeAspect="1"/>
+          </p:cNvPicPr>
+          <p:nvPr/>
+        </p:nvPicPr>
+        <p:blipFill>
+          <a:blip r:embed="rId3">
+            <a:extLst>
+              <a:ext uri="{28A0092B-C50C-407E-A947-70E740481C1C}">
+                <a14:useLocalDpi xmlns:a14="http://schemas.microsoft.com/office/drawing/2010/main" val="0"/>
+              </a:ext>
+            </a:extLst>
+          </a:blip>
+          <a:stretch>
+            <a:fillRect/>
+          </a:stretch>
+        </p:blipFill>
+        <p:spPr>
+          <a:xfrm>
+            <a:off x="5162282" y="1698937"/>
+            <a:ext cx="5159600" cy="3439733"/>
+          </a:xfrm>
+          <a:prstGeom prst="rect">
+            <a:avLst/>
+          </a:prstGeom>
+        </p:spPr>
+      </p:pic>
+    </p:spTree>
+    <p:extLst>
+      <p:ext uri="{BB962C8B-B14F-4D97-AF65-F5344CB8AC3E}">
+        <p14:creationId xmlns:p14="http://schemas.microsoft.com/office/powerpoint/2010/main" val="1271794591"/>
       </p:ext>
     </p:extLst>
   </p:cSld>

--- a/Week2/Kitty Cat Space Map Mockup.pptx
+++ b/Week2/Kitty Cat Space Map Mockup.pptx
@@ -4,6 +4,9 @@
   <p:sldMasterIdLst>
     <p:sldMasterId id="2147483840" r:id="rId1"/>
   </p:sldMasterIdLst>
+  <p:notesMasterIdLst>
+    <p:notesMasterId r:id="rId14"/>
+  </p:notesMasterIdLst>
   <p:sldIdLst>
     <p:sldId id="256" r:id="rId2"/>
     <p:sldId id="259" r:id="rId3"/>
@@ -121,6 +124,1292 @@
     </p:ext>
   </p:extLst>
 </p:presentation>
+</file>
+
+<file path=ppt/notesMasters/notesMaster1.xml><?xml version="1.0" encoding="utf-8"?>
+<p:notesMaster xmlns:a="http://schemas.openxmlformats.org/drawingml/2006/main" xmlns:r="http://schemas.openxmlformats.org/officeDocument/2006/relationships" xmlns:p="http://schemas.openxmlformats.org/presentationml/2006/main">
+  <p:cSld>
+    <p:bg>
+      <p:bgRef idx="1001">
+        <a:schemeClr val="bg1"/>
+      </p:bgRef>
+    </p:bg>
+    <p:spTree>
+      <p:nvGrpSpPr>
+        <p:cNvPr id="1" name=""/>
+        <p:cNvGrpSpPr/>
+        <p:nvPr/>
+      </p:nvGrpSpPr>
+      <p:grpSpPr>
+        <a:xfrm>
+          <a:off x="0" y="0"/>
+          <a:ext cx="0" cy="0"/>
+          <a:chOff x="0" y="0"/>
+          <a:chExt cx="0" cy="0"/>
+        </a:xfrm>
+      </p:grpSpPr>
+      <p:sp>
+        <p:nvSpPr>
+          <p:cNvPr id="2" name="Header Placeholder 1"/>
+          <p:cNvSpPr>
+            <a:spLocks noGrp="1"/>
+          </p:cNvSpPr>
+          <p:nvPr>
+            <p:ph type="hdr" sz="quarter"/>
+          </p:nvPr>
+        </p:nvSpPr>
+        <p:spPr>
+          <a:xfrm>
+            <a:off x="0" y="0"/>
+            <a:ext cx="2971800" cy="458788"/>
+          </a:xfrm>
+          <a:prstGeom prst="rect">
+            <a:avLst/>
+          </a:prstGeom>
+        </p:spPr>
+        <p:txBody>
+          <a:bodyPr vert="horz" lIns="91440" tIns="45720" rIns="91440" bIns="45720" rtlCol="0"/>
+          <a:lstStyle>
+            <a:lvl1pPr algn="l">
+              <a:defRPr sz="1200"/>
+            </a:lvl1pPr>
+          </a:lstStyle>
+          <a:p>
+            <a:endParaRPr lang="en-US"/>
+          </a:p>
+        </p:txBody>
+      </p:sp>
+      <p:sp>
+        <p:nvSpPr>
+          <p:cNvPr id="3" name="Date Placeholder 2"/>
+          <p:cNvSpPr>
+            <a:spLocks noGrp="1"/>
+          </p:cNvSpPr>
+          <p:nvPr>
+            <p:ph type="dt" idx="1"/>
+          </p:nvPr>
+        </p:nvSpPr>
+        <p:spPr>
+          <a:xfrm>
+            <a:off x="3884613" y="0"/>
+            <a:ext cx="2971800" cy="458788"/>
+          </a:xfrm>
+          <a:prstGeom prst="rect">
+            <a:avLst/>
+          </a:prstGeom>
+        </p:spPr>
+        <p:txBody>
+          <a:bodyPr vert="horz" lIns="91440" tIns="45720" rIns="91440" bIns="45720" rtlCol="0"/>
+          <a:lstStyle>
+            <a:lvl1pPr algn="r">
+              <a:defRPr sz="1200"/>
+            </a:lvl1pPr>
+          </a:lstStyle>
+          <a:p>
+            <a:fld id="{2E200949-2D23-445E-AE2D-0D893D8813CE}" type="datetimeFigureOut">
+              <a:rPr lang="en-US" smtClean="0"/>
+              <a:t>5/5/2016</a:t>
+            </a:fld>
+            <a:endParaRPr lang="en-US"/>
+          </a:p>
+        </p:txBody>
+      </p:sp>
+      <p:sp>
+        <p:nvSpPr>
+          <p:cNvPr id="4" name="Slide Image Placeholder 3"/>
+          <p:cNvSpPr>
+            <a:spLocks noGrp="1" noRot="1" noChangeAspect="1"/>
+          </p:cNvSpPr>
+          <p:nvPr>
+            <p:ph type="sldImg" idx="2"/>
+          </p:nvPr>
+        </p:nvSpPr>
+        <p:spPr>
+          <a:xfrm>
+            <a:off x="685800" y="1143000"/>
+            <a:ext cx="5486400" cy="3086100"/>
+          </a:xfrm>
+          <a:prstGeom prst="rect">
+            <a:avLst/>
+          </a:prstGeom>
+          <a:noFill/>
+          <a:ln w="12700">
+            <a:solidFill>
+              <a:prstClr val="black"/>
+            </a:solidFill>
+          </a:ln>
+        </p:spPr>
+        <p:txBody>
+          <a:bodyPr vert="horz" lIns="91440" tIns="45720" rIns="91440" bIns="45720" rtlCol="0" anchor="ctr"/>
+          <a:lstStyle/>
+          <a:p>
+            <a:endParaRPr lang="en-US"/>
+          </a:p>
+        </p:txBody>
+      </p:sp>
+      <p:sp>
+        <p:nvSpPr>
+          <p:cNvPr id="5" name="Notes Placeholder 4"/>
+          <p:cNvSpPr>
+            <a:spLocks noGrp="1"/>
+          </p:cNvSpPr>
+          <p:nvPr>
+            <p:ph type="body" sz="quarter" idx="3"/>
+          </p:nvPr>
+        </p:nvSpPr>
+        <p:spPr>
+          <a:xfrm>
+            <a:off x="685800" y="4400550"/>
+            <a:ext cx="5486400" cy="3600450"/>
+          </a:xfrm>
+          <a:prstGeom prst="rect">
+            <a:avLst/>
+          </a:prstGeom>
+        </p:spPr>
+        <p:txBody>
+          <a:bodyPr vert="horz" lIns="91440" tIns="45720" rIns="91440" bIns="45720" rtlCol="0"/>
+          <a:lstStyle/>
+          <a:p>
+            <a:pPr lvl="0"/>
+            <a:r>
+              <a:rPr lang="en-US" smtClean="0"/>
+              <a:t>Click to edit Master text styles</a:t>
+            </a:r>
+          </a:p>
+          <a:p>
+            <a:pPr lvl="1"/>
+            <a:r>
+              <a:rPr lang="en-US" smtClean="0"/>
+              <a:t>Second level</a:t>
+            </a:r>
+          </a:p>
+          <a:p>
+            <a:pPr lvl="2"/>
+            <a:r>
+              <a:rPr lang="en-US" smtClean="0"/>
+              <a:t>Third level</a:t>
+            </a:r>
+          </a:p>
+          <a:p>
+            <a:pPr lvl="3"/>
+            <a:r>
+              <a:rPr lang="en-US" smtClean="0"/>
+              <a:t>Fourth level</a:t>
+            </a:r>
+          </a:p>
+          <a:p>
+            <a:pPr lvl="4"/>
+            <a:r>
+              <a:rPr lang="en-US" smtClean="0"/>
+              <a:t>Fifth level</a:t>
+            </a:r>
+            <a:endParaRPr lang="en-US"/>
+          </a:p>
+        </p:txBody>
+      </p:sp>
+      <p:sp>
+        <p:nvSpPr>
+          <p:cNvPr id="6" name="Footer Placeholder 5"/>
+          <p:cNvSpPr>
+            <a:spLocks noGrp="1"/>
+          </p:cNvSpPr>
+          <p:nvPr>
+            <p:ph type="ftr" sz="quarter" idx="4"/>
+          </p:nvPr>
+        </p:nvSpPr>
+        <p:spPr>
+          <a:xfrm>
+            <a:off x="0" y="8685213"/>
+            <a:ext cx="2971800" cy="458787"/>
+          </a:xfrm>
+          <a:prstGeom prst="rect">
+            <a:avLst/>
+          </a:prstGeom>
+        </p:spPr>
+        <p:txBody>
+          <a:bodyPr vert="horz" lIns="91440" tIns="45720" rIns="91440" bIns="45720" rtlCol="0" anchor="b"/>
+          <a:lstStyle>
+            <a:lvl1pPr algn="l">
+              <a:defRPr sz="1200"/>
+            </a:lvl1pPr>
+          </a:lstStyle>
+          <a:p>
+            <a:endParaRPr lang="en-US"/>
+          </a:p>
+        </p:txBody>
+      </p:sp>
+      <p:sp>
+        <p:nvSpPr>
+          <p:cNvPr id="7" name="Slide Number Placeholder 6"/>
+          <p:cNvSpPr>
+            <a:spLocks noGrp="1"/>
+          </p:cNvSpPr>
+          <p:nvPr>
+            <p:ph type="sldNum" sz="quarter" idx="5"/>
+          </p:nvPr>
+        </p:nvSpPr>
+        <p:spPr>
+          <a:xfrm>
+            <a:off x="3884613" y="8685213"/>
+            <a:ext cx="2971800" cy="458787"/>
+          </a:xfrm>
+          <a:prstGeom prst="rect">
+            <a:avLst/>
+          </a:prstGeom>
+        </p:spPr>
+        <p:txBody>
+          <a:bodyPr vert="horz" lIns="91440" tIns="45720" rIns="91440" bIns="45720" rtlCol="0" anchor="b"/>
+          <a:lstStyle>
+            <a:lvl1pPr algn="r">
+              <a:defRPr sz="1200"/>
+            </a:lvl1pPr>
+          </a:lstStyle>
+          <a:p>
+            <a:fld id="{6A2A9820-5E2F-4F07-9BD2-E25B66066B2F}" type="slidenum">
+              <a:rPr lang="en-US" smtClean="0"/>
+              <a:t>‹#›</a:t>
+            </a:fld>
+            <a:endParaRPr lang="en-US"/>
+          </a:p>
+        </p:txBody>
+      </p:sp>
+    </p:spTree>
+    <p:extLst>
+      <p:ext uri="{BB962C8B-B14F-4D97-AF65-F5344CB8AC3E}">
+        <p14:creationId xmlns:p14="http://schemas.microsoft.com/office/powerpoint/2010/main" val="2127041597"/>
+      </p:ext>
+    </p:extLst>
+  </p:cSld>
+  <p:clrMap bg1="lt1" tx1="dk1" bg2="lt2" tx2="dk2" accent1="accent1" accent2="accent2" accent3="accent3" accent4="accent4" accent5="accent5" accent6="accent6" hlink="hlink" folHlink="folHlink"/>
+  <p:notesStyle>
+    <a:lvl1pPr marL="0" algn="l" defTabSz="914400" rtl="0" eaLnBrk="1" latinLnBrk="0" hangingPunct="1">
+      <a:defRPr sz="1200" kern="1200">
+        <a:solidFill>
+          <a:schemeClr val="tx1"/>
+        </a:solidFill>
+        <a:latin typeface="+mn-lt"/>
+        <a:ea typeface="+mn-ea"/>
+        <a:cs typeface="+mn-cs"/>
+      </a:defRPr>
+    </a:lvl1pPr>
+    <a:lvl2pPr marL="457200" algn="l" defTabSz="914400" rtl="0" eaLnBrk="1" latinLnBrk="0" hangingPunct="1">
+      <a:defRPr sz="1200" kern="1200">
+        <a:solidFill>
+          <a:schemeClr val="tx1"/>
+        </a:solidFill>
+        <a:latin typeface="+mn-lt"/>
+        <a:ea typeface="+mn-ea"/>
+        <a:cs typeface="+mn-cs"/>
+      </a:defRPr>
+    </a:lvl2pPr>
+    <a:lvl3pPr marL="914400" algn="l" defTabSz="914400" rtl="0" eaLnBrk="1" latinLnBrk="0" hangingPunct="1">
+      <a:defRPr sz="1200" kern="1200">
+        <a:solidFill>
+          <a:schemeClr val="tx1"/>
+        </a:solidFill>
+        <a:latin typeface="+mn-lt"/>
+        <a:ea typeface="+mn-ea"/>
+        <a:cs typeface="+mn-cs"/>
+      </a:defRPr>
+    </a:lvl3pPr>
+    <a:lvl4pPr marL="1371600" algn="l" defTabSz="914400" rtl="0" eaLnBrk="1" latinLnBrk="0" hangingPunct="1">
+      <a:defRPr sz="1200" kern="1200">
+        <a:solidFill>
+          <a:schemeClr val="tx1"/>
+        </a:solidFill>
+        <a:latin typeface="+mn-lt"/>
+        <a:ea typeface="+mn-ea"/>
+        <a:cs typeface="+mn-cs"/>
+      </a:defRPr>
+    </a:lvl4pPr>
+    <a:lvl5pPr marL="1828800" algn="l" defTabSz="914400" rtl="0" eaLnBrk="1" latinLnBrk="0" hangingPunct="1">
+      <a:defRPr sz="1200" kern="1200">
+        <a:solidFill>
+          <a:schemeClr val="tx1"/>
+        </a:solidFill>
+        <a:latin typeface="+mn-lt"/>
+        <a:ea typeface="+mn-ea"/>
+        <a:cs typeface="+mn-cs"/>
+      </a:defRPr>
+    </a:lvl5pPr>
+    <a:lvl6pPr marL="2286000" algn="l" defTabSz="914400" rtl="0" eaLnBrk="1" latinLnBrk="0" hangingPunct="1">
+      <a:defRPr sz="1200" kern="1200">
+        <a:solidFill>
+          <a:schemeClr val="tx1"/>
+        </a:solidFill>
+        <a:latin typeface="+mn-lt"/>
+        <a:ea typeface="+mn-ea"/>
+        <a:cs typeface="+mn-cs"/>
+      </a:defRPr>
+    </a:lvl6pPr>
+    <a:lvl7pPr marL="2743200" algn="l" defTabSz="914400" rtl="0" eaLnBrk="1" latinLnBrk="0" hangingPunct="1">
+      <a:defRPr sz="1200" kern="1200">
+        <a:solidFill>
+          <a:schemeClr val="tx1"/>
+        </a:solidFill>
+        <a:latin typeface="+mn-lt"/>
+        <a:ea typeface="+mn-ea"/>
+        <a:cs typeface="+mn-cs"/>
+      </a:defRPr>
+    </a:lvl7pPr>
+    <a:lvl8pPr marL="3200400" algn="l" defTabSz="914400" rtl="0" eaLnBrk="1" latinLnBrk="0" hangingPunct="1">
+      <a:defRPr sz="1200" kern="1200">
+        <a:solidFill>
+          <a:schemeClr val="tx1"/>
+        </a:solidFill>
+        <a:latin typeface="+mn-lt"/>
+        <a:ea typeface="+mn-ea"/>
+        <a:cs typeface="+mn-cs"/>
+      </a:defRPr>
+    </a:lvl8pPr>
+    <a:lvl9pPr marL="3657600" algn="l" defTabSz="914400" rtl="0" eaLnBrk="1" latinLnBrk="0" hangingPunct="1">
+      <a:defRPr sz="1200" kern="1200">
+        <a:solidFill>
+          <a:schemeClr val="tx1"/>
+        </a:solidFill>
+        <a:latin typeface="+mn-lt"/>
+        <a:ea typeface="+mn-ea"/>
+        <a:cs typeface="+mn-cs"/>
+      </a:defRPr>
+    </a:lvl9pPr>
+  </p:notesStyle>
+</p:notesMaster>
+</file>
+
+<file path=ppt/notesSlides/notesSlide1.xml><?xml version="1.0" encoding="utf-8"?>
+<p:notes xmlns:a="http://schemas.openxmlformats.org/drawingml/2006/main" xmlns:r="http://schemas.openxmlformats.org/officeDocument/2006/relationships" xmlns:p="http://schemas.openxmlformats.org/presentationml/2006/main">
+  <p:cSld>
+    <p:spTree>
+      <p:nvGrpSpPr>
+        <p:cNvPr id="1" name=""/>
+        <p:cNvGrpSpPr/>
+        <p:nvPr/>
+      </p:nvGrpSpPr>
+      <p:grpSpPr>
+        <a:xfrm>
+          <a:off x="0" y="0"/>
+          <a:ext cx="0" cy="0"/>
+          <a:chOff x="0" y="0"/>
+          <a:chExt cx="0" cy="0"/>
+        </a:xfrm>
+      </p:grpSpPr>
+      <p:sp>
+        <p:nvSpPr>
+          <p:cNvPr id="2" name="Slide Image Placeholder 1"/>
+          <p:cNvSpPr>
+            <a:spLocks noGrp="1" noRot="1" noChangeAspect="1"/>
+          </p:cNvSpPr>
+          <p:nvPr>
+            <p:ph type="sldImg"/>
+          </p:nvPr>
+        </p:nvSpPr>
+        <p:spPr/>
+      </p:sp>
+      <p:sp>
+        <p:nvSpPr>
+          <p:cNvPr id="3" name="Notes Placeholder 2"/>
+          <p:cNvSpPr>
+            <a:spLocks noGrp="1"/>
+          </p:cNvSpPr>
+          <p:nvPr>
+            <p:ph type="body" idx="1"/>
+          </p:nvPr>
+        </p:nvSpPr>
+        <p:spPr/>
+        <p:txBody>
+          <a:bodyPr/>
+          <a:lstStyle/>
+          <a:p>
+            <a:r>
+              <a:rPr lang="en-US" dirty="0" smtClean="0"/>
+              <a:t>This</a:t>
+            </a:r>
+            <a:r>
+              <a:rPr lang="en-US" baseline="0" dirty="0" smtClean="0"/>
+              <a:t> is our main page.  This is how you can either start the game, access your account settings and the main menu.</a:t>
+            </a:r>
+            <a:endParaRPr lang="en-US" dirty="0"/>
+          </a:p>
+        </p:txBody>
+      </p:sp>
+      <p:sp>
+        <p:nvSpPr>
+          <p:cNvPr id="4" name="Slide Number Placeholder 3"/>
+          <p:cNvSpPr>
+            <a:spLocks noGrp="1"/>
+          </p:cNvSpPr>
+          <p:nvPr>
+            <p:ph type="sldNum" sz="quarter" idx="10"/>
+          </p:nvPr>
+        </p:nvSpPr>
+        <p:spPr/>
+        <p:txBody>
+          <a:bodyPr/>
+          <a:lstStyle/>
+          <a:p>
+            <a:fld id="{6A2A9820-5E2F-4F07-9BD2-E25B66066B2F}" type="slidenum">
+              <a:rPr lang="en-US" smtClean="0"/>
+              <a:t>2</a:t>
+            </a:fld>
+            <a:endParaRPr lang="en-US"/>
+          </a:p>
+        </p:txBody>
+      </p:sp>
+    </p:spTree>
+    <p:extLst>
+      <p:ext uri="{BB962C8B-B14F-4D97-AF65-F5344CB8AC3E}">
+        <p14:creationId xmlns:p14="http://schemas.microsoft.com/office/powerpoint/2010/main" val="1965679206"/>
+      </p:ext>
+    </p:extLst>
+  </p:cSld>
+  <p:clrMapOvr>
+    <a:masterClrMapping/>
+  </p:clrMapOvr>
+</p:notes>
+</file>
+
+<file path=ppt/notesSlides/notesSlide10.xml><?xml version="1.0" encoding="utf-8"?>
+<p:notes xmlns:a="http://schemas.openxmlformats.org/drawingml/2006/main" xmlns:r="http://schemas.openxmlformats.org/officeDocument/2006/relationships" xmlns:p="http://schemas.openxmlformats.org/presentationml/2006/main">
+  <p:cSld>
+    <p:spTree>
+      <p:nvGrpSpPr>
+        <p:cNvPr id="1" name=""/>
+        <p:cNvGrpSpPr/>
+        <p:nvPr/>
+      </p:nvGrpSpPr>
+      <p:grpSpPr>
+        <a:xfrm>
+          <a:off x="0" y="0"/>
+          <a:ext cx="0" cy="0"/>
+          <a:chOff x="0" y="0"/>
+          <a:chExt cx="0" cy="0"/>
+        </a:xfrm>
+      </p:grpSpPr>
+      <p:sp>
+        <p:nvSpPr>
+          <p:cNvPr id="2" name="Slide Image Placeholder 1"/>
+          <p:cNvSpPr>
+            <a:spLocks noGrp="1" noRot="1" noChangeAspect="1"/>
+          </p:cNvSpPr>
+          <p:nvPr>
+            <p:ph type="sldImg"/>
+          </p:nvPr>
+        </p:nvSpPr>
+        <p:spPr/>
+      </p:sp>
+      <p:sp>
+        <p:nvSpPr>
+          <p:cNvPr id="3" name="Notes Placeholder 2"/>
+          <p:cNvSpPr>
+            <a:spLocks noGrp="1"/>
+          </p:cNvSpPr>
+          <p:nvPr>
+            <p:ph type="body" idx="1"/>
+          </p:nvPr>
+        </p:nvSpPr>
+        <p:spPr/>
+        <p:txBody>
+          <a:bodyPr/>
+          <a:lstStyle/>
+          <a:p>
+            <a:r>
+              <a:rPr lang="en-US" dirty="0" smtClean="0"/>
+              <a:t>Initially the user is shown</a:t>
+            </a:r>
+            <a:r>
+              <a:rPr lang="en-US" baseline="0" dirty="0" smtClean="0"/>
+              <a:t> a loading screen until the games data has been downloaded.  Then they will be moved immediately upon loading to the main page, as you have seen before.  From there you can either start playing the game, go to the main menu panel, or go to the sign in/sign up menu.  The main menu contains access to the setting panel, which allows you to change the sound FX and music volumes, a link back to the main page, the course selection page, and access to your profile.  Your account allows you to track your progress in the form of a chart, which has data on all of your recorded attempts on each </a:t>
+            </a:r>
+            <a:r>
+              <a:rPr lang="en-US" baseline="0" smtClean="0"/>
+              <a:t>different course, </a:t>
+            </a:r>
+            <a:endParaRPr lang="en-US" dirty="0"/>
+          </a:p>
+        </p:txBody>
+      </p:sp>
+      <p:sp>
+        <p:nvSpPr>
+          <p:cNvPr id="4" name="Slide Number Placeholder 3"/>
+          <p:cNvSpPr>
+            <a:spLocks noGrp="1"/>
+          </p:cNvSpPr>
+          <p:nvPr>
+            <p:ph type="sldNum" sz="quarter" idx="10"/>
+          </p:nvPr>
+        </p:nvSpPr>
+        <p:spPr/>
+        <p:txBody>
+          <a:bodyPr/>
+          <a:lstStyle/>
+          <a:p>
+            <a:fld id="{6A2A9820-5E2F-4F07-9BD2-E25B66066B2F}" type="slidenum">
+              <a:rPr lang="en-US" smtClean="0"/>
+              <a:t>11</a:t>
+            </a:fld>
+            <a:endParaRPr lang="en-US"/>
+          </a:p>
+        </p:txBody>
+      </p:sp>
+    </p:spTree>
+    <p:extLst>
+      <p:ext uri="{BB962C8B-B14F-4D97-AF65-F5344CB8AC3E}">
+        <p14:creationId xmlns:p14="http://schemas.microsoft.com/office/powerpoint/2010/main" val="2359306518"/>
+      </p:ext>
+    </p:extLst>
+  </p:cSld>
+  <p:clrMapOvr>
+    <a:masterClrMapping/>
+  </p:clrMapOvr>
+</p:notes>
+</file>
+
+<file path=ppt/notesSlides/notesSlide2.xml><?xml version="1.0" encoding="utf-8"?>
+<p:notes xmlns:a="http://schemas.openxmlformats.org/drawingml/2006/main" xmlns:r="http://schemas.openxmlformats.org/officeDocument/2006/relationships" xmlns:p="http://schemas.openxmlformats.org/presentationml/2006/main">
+  <p:cSld>
+    <p:spTree>
+      <p:nvGrpSpPr>
+        <p:cNvPr id="1" name=""/>
+        <p:cNvGrpSpPr/>
+        <p:nvPr/>
+      </p:nvGrpSpPr>
+      <p:grpSpPr>
+        <a:xfrm>
+          <a:off x="0" y="0"/>
+          <a:ext cx="0" cy="0"/>
+          <a:chOff x="0" y="0"/>
+          <a:chExt cx="0" cy="0"/>
+        </a:xfrm>
+      </p:grpSpPr>
+      <p:sp>
+        <p:nvSpPr>
+          <p:cNvPr id="2" name="Slide Image Placeholder 1"/>
+          <p:cNvSpPr>
+            <a:spLocks noGrp="1" noRot="1" noChangeAspect="1"/>
+          </p:cNvSpPr>
+          <p:nvPr>
+            <p:ph type="sldImg"/>
+          </p:nvPr>
+        </p:nvSpPr>
+        <p:spPr/>
+      </p:sp>
+      <p:sp>
+        <p:nvSpPr>
+          <p:cNvPr id="3" name="Notes Placeholder 2"/>
+          <p:cNvSpPr>
+            <a:spLocks noGrp="1"/>
+          </p:cNvSpPr>
+          <p:nvPr>
+            <p:ph type="body" idx="1"/>
+          </p:nvPr>
+        </p:nvSpPr>
+        <p:spPr/>
+        <p:txBody>
+          <a:bodyPr/>
+          <a:lstStyle/>
+          <a:p>
+            <a:r>
+              <a:rPr lang="en-US" dirty="0" smtClean="0"/>
+              <a:t>Immediately</a:t>
+            </a:r>
+            <a:r>
+              <a:rPr lang="en-US" baseline="0" dirty="0" smtClean="0"/>
+              <a:t> after clicking launch, you are sent to the course selection </a:t>
+            </a:r>
+            <a:r>
+              <a:rPr lang="en-US" baseline="0" dirty="0" err="1" smtClean="0"/>
+              <a:t>sceen</a:t>
+            </a:r>
+            <a:r>
+              <a:rPr lang="en-US" baseline="0" dirty="0" smtClean="0"/>
+              <a:t>.  From here you can either navigate left or right to different courses as you unlock them, or just press on the center to start playing the course in view.</a:t>
+            </a:r>
+            <a:endParaRPr lang="en-US" dirty="0"/>
+          </a:p>
+        </p:txBody>
+      </p:sp>
+      <p:sp>
+        <p:nvSpPr>
+          <p:cNvPr id="4" name="Slide Number Placeholder 3"/>
+          <p:cNvSpPr>
+            <a:spLocks noGrp="1"/>
+          </p:cNvSpPr>
+          <p:nvPr>
+            <p:ph type="sldNum" sz="quarter" idx="10"/>
+          </p:nvPr>
+        </p:nvSpPr>
+        <p:spPr/>
+        <p:txBody>
+          <a:bodyPr/>
+          <a:lstStyle/>
+          <a:p>
+            <a:fld id="{6A2A9820-5E2F-4F07-9BD2-E25B66066B2F}" type="slidenum">
+              <a:rPr lang="en-US" smtClean="0"/>
+              <a:t>3</a:t>
+            </a:fld>
+            <a:endParaRPr lang="en-US"/>
+          </a:p>
+        </p:txBody>
+      </p:sp>
+    </p:spTree>
+    <p:extLst>
+      <p:ext uri="{BB962C8B-B14F-4D97-AF65-F5344CB8AC3E}">
+        <p14:creationId xmlns:p14="http://schemas.microsoft.com/office/powerpoint/2010/main" val="223899452"/>
+      </p:ext>
+    </p:extLst>
+  </p:cSld>
+  <p:clrMapOvr>
+    <a:masterClrMapping/>
+  </p:clrMapOvr>
+</p:notes>
+</file>
+
+<file path=ppt/notesSlides/notesSlide3.xml><?xml version="1.0" encoding="utf-8"?>
+<p:notes xmlns:a="http://schemas.openxmlformats.org/drawingml/2006/main" xmlns:r="http://schemas.openxmlformats.org/officeDocument/2006/relationships" xmlns:p="http://schemas.openxmlformats.org/presentationml/2006/main">
+  <p:cSld>
+    <p:spTree>
+      <p:nvGrpSpPr>
+        <p:cNvPr id="1" name=""/>
+        <p:cNvGrpSpPr/>
+        <p:nvPr/>
+      </p:nvGrpSpPr>
+      <p:grpSpPr>
+        <a:xfrm>
+          <a:off x="0" y="0"/>
+          <a:ext cx="0" cy="0"/>
+          <a:chOff x="0" y="0"/>
+          <a:chExt cx="0" cy="0"/>
+        </a:xfrm>
+      </p:grpSpPr>
+      <p:sp>
+        <p:nvSpPr>
+          <p:cNvPr id="2" name="Slide Image Placeholder 1"/>
+          <p:cNvSpPr>
+            <a:spLocks noGrp="1" noRot="1" noChangeAspect="1"/>
+          </p:cNvSpPr>
+          <p:nvPr>
+            <p:ph type="sldImg"/>
+          </p:nvPr>
+        </p:nvSpPr>
+        <p:spPr/>
+      </p:sp>
+      <p:sp>
+        <p:nvSpPr>
+          <p:cNvPr id="3" name="Notes Placeholder 2"/>
+          <p:cNvSpPr>
+            <a:spLocks noGrp="1"/>
+          </p:cNvSpPr>
+          <p:nvPr>
+            <p:ph type="body" idx="1"/>
+          </p:nvPr>
+        </p:nvSpPr>
+        <p:spPr/>
+        <p:txBody>
+          <a:bodyPr/>
+          <a:lstStyle/>
+          <a:p>
+            <a:r>
+              <a:rPr lang="en-US" dirty="0" smtClean="0"/>
+              <a:t>You are them displayed</a:t>
+            </a:r>
+            <a:r>
+              <a:rPr lang="en-US" baseline="0" dirty="0" smtClean="0"/>
+              <a:t> an empty map of nodes.  If you are a guest user, or this is your first time player then there is the option to view the tutorial, or to skip it and continue to the game.</a:t>
+            </a:r>
+            <a:endParaRPr lang="en-US" dirty="0"/>
+          </a:p>
+        </p:txBody>
+      </p:sp>
+      <p:sp>
+        <p:nvSpPr>
+          <p:cNvPr id="4" name="Slide Number Placeholder 3"/>
+          <p:cNvSpPr>
+            <a:spLocks noGrp="1"/>
+          </p:cNvSpPr>
+          <p:nvPr>
+            <p:ph type="sldNum" sz="quarter" idx="10"/>
+          </p:nvPr>
+        </p:nvSpPr>
+        <p:spPr/>
+        <p:txBody>
+          <a:bodyPr/>
+          <a:lstStyle/>
+          <a:p>
+            <a:fld id="{6A2A9820-5E2F-4F07-9BD2-E25B66066B2F}" type="slidenum">
+              <a:rPr lang="en-US" smtClean="0"/>
+              <a:t>4</a:t>
+            </a:fld>
+            <a:endParaRPr lang="en-US"/>
+          </a:p>
+        </p:txBody>
+      </p:sp>
+    </p:spTree>
+    <p:extLst>
+      <p:ext uri="{BB962C8B-B14F-4D97-AF65-F5344CB8AC3E}">
+        <p14:creationId xmlns:p14="http://schemas.microsoft.com/office/powerpoint/2010/main" val="1496519514"/>
+      </p:ext>
+    </p:extLst>
+  </p:cSld>
+  <p:clrMapOvr>
+    <a:masterClrMapping/>
+  </p:clrMapOvr>
+</p:notes>
+</file>
+
+<file path=ppt/notesSlides/notesSlide4.xml><?xml version="1.0" encoding="utf-8"?>
+<p:notes xmlns:a="http://schemas.openxmlformats.org/drawingml/2006/main" xmlns:r="http://schemas.openxmlformats.org/officeDocument/2006/relationships" xmlns:p="http://schemas.openxmlformats.org/presentationml/2006/main">
+  <p:cSld>
+    <p:spTree>
+      <p:nvGrpSpPr>
+        <p:cNvPr id="1" name=""/>
+        <p:cNvGrpSpPr/>
+        <p:nvPr/>
+      </p:nvGrpSpPr>
+      <p:grpSpPr>
+        <a:xfrm>
+          <a:off x="0" y="0"/>
+          <a:ext cx="0" cy="0"/>
+          <a:chOff x="0" y="0"/>
+          <a:chExt cx="0" cy="0"/>
+        </a:xfrm>
+      </p:grpSpPr>
+      <p:sp>
+        <p:nvSpPr>
+          <p:cNvPr id="2" name="Slide Image Placeholder 1"/>
+          <p:cNvSpPr>
+            <a:spLocks noGrp="1" noRot="1" noChangeAspect="1"/>
+          </p:cNvSpPr>
+          <p:nvPr>
+            <p:ph type="sldImg"/>
+          </p:nvPr>
+        </p:nvSpPr>
+        <p:spPr/>
+      </p:sp>
+      <p:sp>
+        <p:nvSpPr>
+          <p:cNvPr id="3" name="Notes Placeholder 2"/>
+          <p:cNvSpPr>
+            <a:spLocks noGrp="1"/>
+          </p:cNvSpPr>
+          <p:nvPr>
+            <p:ph type="body" idx="1"/>
+          </p:nvPr>
+        </p:nvSpPr>
+        <p:spPr/>
+        <p:txBody>
+          <a:bodyPr/>
+          <a:lstStyle/>
+          <a:p>
+            <a:r>
+              <a:rPr lang="en-US" dirty="0" smtClean="0"/>
+              <a:t>The next step of the game is that the map is populated with the player objects, which includes the player’s starting point, and colored nodes to indicate where you are required to go.</a:t>
+            </a:r>
+            <a:endParaRPr lang="en-US" dirty="0"/>
+          </a:p>
+        </p:txBody>
+      </p:sp>
+      <p:sp>
+        <p:nvSpPr>
+          <p:cNvPr id="4" name="Slide Number Placeholder 3"/>
+          <p:cNvSpPr>
+            <a:spLocks noGrp="1"/>
+          </p:cNvSpPr>
+          <p:nvPr>
+            <p:ph type="sldNum" sz="quarter" idx="10"/>
+          </p:nvPr>
+        </p:nvSpPr>
+        <p:spPr/>
+        <p:txBody>
+          <a:bodyPr/>
+          <a:lstStyle/>
+          <a:p>
+            <a:fld id="{6A2A9820-5E2F-4F07-9BD2-E25B66066B2F}" type="slidenum">
+              <a:rPr lang="en-US" smtClean="0"/>
+              <a:t>5</a:t>
+            </a:fld>
+            <a:endParaRPr lang="en-US"/>
+          </a:p>
+        </p:txBody>
+      </p:sp>
+    </p:spTree>
+    <p:extLst>
+      <p:ext uri="{BB962C8B-B14F-4D97-AF65-F5344CB8AC3E}">
+        <p14:creationId xmlns:p14="http://schemas.microsoft.com/office/powerpoint/2010/main" val="863837723"/>
+      </p:ext>
+    </p:extLst>
+  </p:cSld>
+  <p:clrMapOvr>
+    <a:masterClrMapping/>
+  </p:clrMapOvr>
+</p:notes>
+</file>
+
+<file path=ppt/notesSlides/notesSlide5.xml><?xml version="1.0" encoding="utf-8"?>
+<p:notes xmlns:a="http://schemas.openxmlformats.org/drawingml/2006/main" xmlns:r="http://schemas.openxmlformats.org/officeDocument/2006/relationships" xmlns:p="http://schemas.openxmlformats.org/presentationml/2006/main">
+  <p:cSld>
+    <p:spTree>
+      <p:nvGrpSpPr>
+        <p:cNvPr id="1" name=""/>
+        <p:cNvGrpSpPr/>
+        <p:nvPr/>
+      </p:nvGrpSpPr>
+      <p:grpSpPr>
+        <a:xfrm>
+          <a:off x="0" y="0"/>
+          <a:ext cx="0" cy="0"/>
+          <a:chOff x="0" y="0"/>
+          <a:chExt cx="0" cy="0"/>
+        </a:xfrm>
+      </p:grpSpPr>
+      <p:sp>
+        <p:nvSpPr>
+          <p:cNvPr id="2" name="Slide Image Placeholder 1"/>
+          <p:cNvSpPr>
+            <a:spLocks noGrp="1" noRot="1" noChangeAspect="1"/>
+          </p:cNvSpPr>
+          <p:nvPr>
+            <p:ph type="sldImg"/>
+          </p:nvPr>
+        </p:nvSpPr>
+        <p:spPr/>
+      </p:sp>
+      <p:sp>
+        <p:nvSpPr>
+          <p:cNvPr id="3" name="Notes Placeholder 2"/>
+          <p:cNvSpPr>
+            <a:spLocks noGrp="1"/>
+          </p:cNvSpPr>
+          <p:nvPr>
+            <p:ph type="body" idx="1"/>
+          </p:nvPr>
+        </p:nvSpPr>
+        <p:spPr/>
+        <p:txBody>
+          <a:bodyPr/>
+          <a:lstStyle/>
+          <a:p>
+            <a:r>
+              <a:rPr lang="en-US" dirty="0" smtClean="0"/>
+              <a:t>Then a quick</a:t>
+            </a:r>
+            <a:r>
+              <a:rPr lang="en-US" baseline="0" dirty="0" smtClean="0"/>
+              <a:t> countdown of ready … go! Is displayed which starts the timer and allows users to input their path.</a:t>
+            </a:r>
+            <a:endParaRPr lang="en-US" dirty="0"/>
+          </a:p>
+        </p:txBody>
+      </p:sp>
+      <p:sp>
+        <p:nvSpPr>
+          <p:cNvPr id="4" name="Slide Number Placeholder 3"/>
+          <p:cNvSpPr>
+            <a:spLocks noGrp="1"/>
+          </p:cNvSpPr>
+          <p:nvPr>
+            <p:ph type="sldNum" sz="quarter" idx="10"/>
+          </p:nvPr>
+        </p:nvSpPr>
+        <p:spPr/>
+        <p:txBody>
+          <a:bodyPr/>
+          <a:lstStyle/>
+          <a:p>
+            <a:fld id="{6A2A9820-5E2F-4F07-9BD2-E25B66066B2F}" type="slidenum">
+              <a:rPr lang="en-US" smtClean="0"/>
+              <a:t>6</a:t>
+            </a:fld>
+            <a:endParaRPr lang="en-US"/>
+          </a:p>
+        </p:txBody>
+      </p:sp>
+    </p:spTree>
+    <p:extLst>
+      <p:ext uri="{BB962C8B-B14F-4D97-AF65-F5344CB8AC3E}">
+        <p14:creationId xmlns:p14="http://schemas.microsoft.com/office/powerpoint/2010/main" val="2960946452"/>
+      </p:ext>
+    </p:extLst>
+  </p:cSld>
+  <p:clrMapOvr>
+    <a:masterClrMapping/>
+  </p:clrMapOvr>
+</p:notes>
+</file>
+
+<file path=ppt/notesSlides/notesSlide6.xml><?xml version="1.0" encoding="utf-8"?>
+<p:notes xmlns:a="http://schemas.openxmlformats.org/drawingml/2006/main" xmlns:r="http://schemas.openxmlformats.org/officeDocument/2006/relationships" xmlns:p="http://schemas.openxmlformats.org/presentationml/2006/main">
+  <p:cSld>
+    <p:spTree>
+      <p:nvGrpSpPr>
+        <p:cNvPr id="1" name=""/>
+        <p:cNvGrpSpPr/>
+        <p:nvPr/>
+      </p:nvGrpSpPr>
+      <p:grpSpPr>
+        <a:xfrm>
+          <a:off x="0" y="0"/>
+          <a:ext cx="0" cy="0"/>
+          <a:chOff x="0" y="0"/>
+          <a:chExt cx="0" cy="0"/>
+        </a:xfrm>
+      </p:grpSpPr>
+      <p:sp>
+        <p:nvSpPr>
+          <p:cNvPr id="2" name="Slide Image Placeholder 1"/>
+          <p:cNvSpPr>
+            <a:spLocks noGrp="1" noRot="1" noChangeAspect="1"/>
+          </p:cNvSpPr>
+          <p:nvPr>
+            <p:ph type="sldImg"/>
+          </p:nvPr>
+        </p:nvSpPr>
+        <p:spPr/>
+      </p:sp>
+      <p:sp>
+        <p:nvSpPr>
+          <p:cNvPr id="3" name="Notes Placeholder 2"/>
+          <p:cNvSpPr>
+            <a:spLocks noGrp="1"/>
+          </p:cNvSpPr>
+          <p:nvPr>
+            <p:ph type="body" idx="1"/>
+          </p:nvPr>
+        </p:nvSpPr>
+        <p:spPr/>
+        <p:txBody>
+          <a:bodyPr/>
+          <a:lstStyle/>
+          <a:p>
+            <a:r>
+              <a:rPr lang="en-US" dirty="0" smtClean="0"/>
+              <a:t>The user then needs to start </a:t>
+            </a:r>
+            <a:r>
+              <a:rPr lang="en-US" dirty="0" err="1" smtClean="0"/>
+              <a:t>inputing</a:t>
+            </a:r>
+            <a:r>
+              <a:rPr lang="en-US" dirty="0" smtClean="0"/>
+              <a:t> their path as quickly as possible, they are then shown the count up timer and a</a:t>
+            </a:r>
+            <a:r>
+              <a:rPr lang="en-US" baseline="0" dirty="0" smtClean="0"/>
+              <a:t> step back button, which allows users to undo their most recent step.  User will be able to tap the nodes that are connected to the player’s position, and tap through their path.  </a:t>
+            </a:r>
+            <a:endParaRPr lang="en-US" dirty="0"/>
+          </a:p>
+        </p:txBody>
+      </p:sp>
+      <p:sp>
+        <p:nvSpPr>
+          <p:cNvPr id="4" name="Slide Number Placeholder 3"/>
+          <p:cNvSpPr>
+            <a:spLocks noGrp="1"/>
+          </p:cNvSpPr>
+          <p:nvPr>
+            <p:ph type="sldNum" sz="quarter" idx="10"/>
+          </p:nvPr>
+        </p:nvSpPr>
+        <p:spPr/>
+        <p:txBody>
+          <a:bodyPr/>
+          <a:lstStyle/>
+          <a:p>
+            <a:fld id="{6A2A9820-5E2F-4F07-9BD2-E25B66066B2F}" type="slidenum">
+              <a:rPr lang="en-US" smtClean="0"/>
+              <a:t>7</a:t>
+            </a:fld>
+            <a:endParaRPr lang="en-US"/>
+          </a:p>
+        </p:txBody>
+      </p:sp>
+    </p:spTree>
+    <p:extLst>
+      <p:ext uri="{BB962C8B-B14F-4D97-AF65-F5344CB8AC3E}">
+        <p14:creationId xmlns:p14="http://schemas.microsoft.com/office/powerpoint/2010/main" val="2504293155"/>
+      </p:ext>
+    </p:extLst>
+  </p:cSld>
+  <p:clrMapOvr>
+    <a:masterClrMapping/>
+  </p:clrMapOvr>
+</p:notes>
+</file>
+
+<file path=ppt/notesSlides/notesSlide7.xml><?xml version="1.0" encoding="utf-8"?>
+<p:notes xmlns:a="http://schemas.openxmlformats.org/drawingml/2006/main" xmlns:r="http://schemas.openxmlformats.org/officeDocument/2006/relationships" xmlns:p="http://schemas.openxmlformats.org/presentationml/2006/main">
+  <p:cSld>
+    <p:spTree>
+      <p:nvGrpSpPr>
+        <p:cNvPr id="1" name=""/>
+        <p:cNvGrpSpPr/>
+        <p:nvPr/>
+      </p:nvGrpSpPr>
+      <p:grpSpPr>
+        <a:xfrm>
+          <a:off x="0" y="0"/>
+          <a:ext cx="0" cy="0"/>
+          <a:chOff x="0" y="0"/>
+          <a:chExt cx="0" cy="0"/>
+        </a:xfrm>
+      </p:grpSpPr>
+      <p:sp>
+        <p:nvSpPr>
+          <p:cNvPr id="2" name="Slide Image Placeholder 1"/>
+          <p:cNvSpPr>
+            <a:spLocks noGrp="1" noRot="1" noChangeAspect="1"/>
+          </p:cNvSpPr>
+          <p:nvPr>
+            <p:ph type="sldImg"/>
+          </p:nvPr>
+        </p:nvSpPr>
+        <p:spPr/>
+      </p:sp>
+      <p:sp>
+        <p:nvSpPr>
+          <p:cNvPr id="3" name="Notes Placeholder 2"/>
+          <p:cNvSpPr>
+            <a:spLocks noGrp="1"/>
+          </p:cNvSpPr>
+          <p:nvPr>
+            <p:ph type="body" idx="1"/>
+          </p:nvPr>
+        </p:nvSpPr>
+        <p:spPr/>
+        <p:txBody>
+          <a:bodyPr/>
+          <a:lstStyle/>
+          <a:p>
+            <a:r>
+              <a:rPr lang="en-US" dirty="0" smtClean="0"/>
+              <a:t>The user’s path is completed when they</a:t>
+            </a:r>
+            <a:r>
+              <a:rPr lang="en-US" baseline="0" dirty="0" smtClean="0"/>
+              <a:t> have circled back to their starting point.  At which point the traveler will launch and start going through the path.</a:t>
+            </a:r>
+            <a:endParaRPr lang="en-US" dirty="0"/>
+          </a:p>
+        </p:txBody>
+      </p:sp>
+      <p:sp>
+        <p:nvSpPr>
+          <p:cNvPr id="4" name="Slide Number Placeholder 3"/>
+          <p:cNvSpPr>
+            <a:spLocks noGrp="1"/>
+          </p:cNvSpPr>
+          <p:nvPr>
+            <p:ph type="sldNum" sz="quarter" idx="10"/>
+          </p:nvPr>
+        </p:nvSpPr>
+        <p:spPr/>
+        <p:txBody>
+          <a:bodyPr/>
+          <a:lstStyle/>
+          <a:p>
+            <a:fld id="{6A2A9820-5E2F-4F07-9BD2-E25B66066B2F}" type="slidenum">
+              <a:rPr lang="en-US" smtClean="0"/>
+              <a:t>8</a:t>
+            </a:fld>
+            <a:endParaRPr lang="en-US"/>
+          </a:p>
+        </p:txBody>
+      </p:sp>
+    </p:spTree>
+    <p:extLst>
+      <p:ext uri="{BB962C8B-B14F-4D97-AF65-F5344CB8AC3E}">
+        <p14:creationId xmlns:p14="http://schemas.microsoft.com/office/powerpoint/2010/main" val="521170702"/>
+      </p:ext>
+    </p:extLst>
+  </p:cSld>
+  <p:clrMapOvr>
+    <a:masterClrMapping/>
+  </p:clrMapOvr>
+</p:notes>
+</file>
+
+<file path=ppt/notesSlides/notesSlide8.xml><?xml version="1.0" encoding="utf-8"?>
+<p:notes xmlns:a="http://schemas.openxmlformats.org/drawingml/2006/main" xmlns:r="http://schemas.openxmlformats.org/officeDocument/2006/relationships" xmlns:p="http://schemas.openxmlformats.org/presentationml/2006/main">
+  <p:cSld>
+    <p:spTree>
+      <p:nvGrpSpPr>
+        <p:cNvPr id="1" name=""/>
+        <p:cNvGrpSpPr/>
+        <p:nvPr/>
+      </p:nvGrpSpPr>
+      <p:grpSpPr>
+        <a:xfrm>
+          <a:off x="0" y="0"/>
+          <a:ext cx="0" cy="0"/>
+          <a:chOff x="0" y="0"/>
+          <a:chExt cx="0" cy="0"/>
+        </a:xfrm>
+      </p:grpSpPr>
+      <p:sp>
+        <p:nvSpPr>
+          <p:cNvPr id="2" name="Slide Image Placeholder 1"/>
+          <p:cNvSpPr>
+            <a:spLocks noGrp="1" noRot="1" noChangeAspect="1"/>
+          </p:cNvSpPr>
+          <p:nvPr>
+            <p:ph type="sldImg"/>
+          </p:nvPr>
+        </p:nvSpPr>
+        <p:spPr/>
+      </p:sp>
+      <p:sp>
+        <p:nvSpPr>
+          <p:cNvPr id="3" name="Notes Placeholder 2"/>
+          <p:cNvSpPr>
+            <a:spLocks noGrp="1"/>
+          </p:cNvSpPr>
+          <p:nvPr>
+            <p:ph type="body" idx="1"/>
+          </p:nvPr>
+        </p:nvSpPr>
+        <p:spPr/>
+        <p:txBody>
+          <a:bodyPr/>
+          <a:lstStyle/>
+          <a:p>
+            <a:r>
+              <a:rPr lang="en-US" dirty="0" smtClean="0"/>
+              <a:t>The traveler will go through each node that the player has selected</a:t>
+            </a:r>
+            <a:r>
+              <a:rPr lang="en-US" baseline="0" dirty="0" smtClean="0"/>
+              <a:t> at a set speed.  The timer will continue to run during their travels, which will affect their ending score.</a:t>
+            </a:r>
+            <a:endParaRPr lang="en-US" dirty="0"/>
+          </a:p>
+        </p:txBody>
+      </p:sp>
+      <p:sp>
+        <p:nvSpPr>
+          <p:cNvPr id="4" name="Slide Number Placeholder 3"/>
+          <p:cNvSpPr>
+            <a:spLocks noGrp="1"/>
+          </p:cNvSpPr>
+          <p:nvPr>
+            <p:ph type="sldNum" sz="quarter" idx="10"/>
+          </p:nvPr>
+        </p:nvSpPr>
+        <p:spPr/>
+        <p:txBody>
+          <a:bodyPr/>
+          <a:lstStyle/>
+          <a:p>
+            <a:fld id="{6A2A9820-5E2F-4F07-9BD2-E25B66066B2F}" type="slidenum">
+              <a:rPr lang="en-US" smtClean="0"/>
+              <a:t>9</a:t>
+            </a:fld>
+            <a:endParaRPr lang="en-US"/>
+          </a:p>
+        </p:txBody>
+      </p:sp>
+    </p:spTree>
+    <p:extLst>
+      <p:ext uri="{BB962C8B-B14F-4D97-AF65-F5344CB8AC3E}">
+        <p14:creationId xmlns:p14="http://schemas.microsoft.com/office/powerpoint/2010/main" val="931777552"/>
+      </p:ext>
+    </p:extLst>
+  </p:cSld>
+  <p:clrMapOvr>
+    <a:masterClrMapping/>
+  </p:clrMapOvr>
+</p:notes>
+</file>
+
+<file path=ppt/notesSlides/notesSlide9.xml><?xml version="1.0" encoding="utf-8"?>
+<p:notes xmlns:a="http://schemas.openxmlformats.org/drawingml/2006/main" xmlns:r="http://schemas.openxmlformats.org/officeDocument/2006/relationships" xmlns:p="http://schemas.openxmlformats.org/presentationml/2006/main">
+  <p:cSld>
+    <p:spTree>
+      <p:nvGrpSpPr>
+        <p:cNvPr id="1" name=""/>
+        <p:cNvGrpSpPr/>
+        <p:nvPr/>
+      </p:nvGrpSpPr>
+      <p:grpSpPr>
+        <a:xfrm>
+          <a:off x="0" y="0"/>
+          <a:ext cx="0" cy="0"/>
+          <a:chOff x="0" y="0"/>
+          <a:chExt cx="0" cy="0"/>
+        </a:xfrm>
+      </p:grpSpPr>
+      <p:sp>
+        <p:nvSpPr>
+          <p:cNvPr id="2" name="Slide Image Placeholder 1"/>
+          <p:cNvSpPr>
+            <a:spLocks noGrp="1" noRot="1" noChangeAspect="1"/>
+          </p:cNvSpPr>
+          <p:nvPr>
+            <p:ph type="sldImg"/>
+          </p:nvPr>
+        </p:nvSpPr>
+        <p:spPr/>
+      </p:sp>
+      <p:sp>
+        <p:nvSpPr>
+          <p:cNvPr id="3" name="Notes Placeholder 2"/>
+          <p:cNvSpPr>
+            <a:spLocks noGrp="1"/>
+          </p:cNvSpPr>
+          <p:nvPr>
+            <p:ph type="body" idx="1"/>
+          </p:nvPr>
+        </p:nvSpPr>
+        <p:spPr/>
+        <p:txBody>
+          <a:bodyPr/>
+          <a:lstStyle/>
+          <a:p>
+            <a:r>
+              <a:rPr lang="en-US" dirty="0" smtClean="0"/>
+              <a:t>Once</a:t>
+            </a:r>
+            <a:r>
+              <a:rPr lang="en-US" baseline="0" dirty="0" smtClean="0"/>
+              <a:t> the traveler has returned to the starting point the timer will stop, and the next challenge will be generated and follow the same gameplay steps.  There will be a total of 9 challenges per course (unless we change our minds), which get increasingly more difficult to solve.</a:t>
+            </a:r>
+            <a:endParaRPr lang="en-US" dirty="0"/>
+          </a:p>
+        </p:txBody>
+      </p:sp>
+      <p:sp>
+        <p:nvSpPr>
+          <p:cNvPr id="4" name="Slide Number Placeholder 3"/>
+          <p:cNvSpPr>
+            <a:spLocks noGrp="1"/>
+          </p:cNvSpPr>
+          <p:nvPr>
+            <p:ph type="sldNum" sz="quarter" idx="10"/>
+          </p:nvPr>
+        </p:nvSpPr>
+        <p:spPr/>
+        <p:txBody>
+          <a:bodyPr/>
+          <a:lstStyle/>
+          <a:p>
+            <a:fld id="{6A2A9820-5E2F-4F07-9BD2-E25B66066B2F}" type="slidenum">
+              <a:rPr lang="en-US" smtClean="0"/>
+              <a:t>10</a:t>
+            </a:fld>
+            <a:endParaRPr lang="en-US"/>
+          </a:p>
+        </p:txBody>
+      </p:sp>
+    </p:spTree>
+    <p:extLst>
+      <p:ext uri="{BB962C8B-B14F-4D97-AF65-F5344CB8AC3E}">
+        <p14:creationId xmlns:p14="http://schemas.microsoft.com/office/powerpoint/2010/main" val="3722278685"/>
+      </p:ext>
+    </p:extLst>
+  </p:cSld>
+  <p:clrMapOvr>
+    <a:masterClrMapping/>
+  </p:clrMapOvr>
+</p:notes>
 </file>
 
 <file path=ppt/slideLayouts/slideLayout1.xml><?xml version="1.0" encoding="utf-8"?>
@@ -3497,7 +4786,7 @@
           </p:nvPr>
         </p:nvPicPr>
         <p:blipFill>
-          <a:blip r:embed="rId2"/>
+          <a:blip r:embed="rId3"/>
           <a:stretch>
             <a:fillRect/>
           </a:stretch>
@@ -3521,7 +4810,7 @@
           <p:nvPr/>
         </p:nvPicPr>
         <p:blipFill>
-          <a:blip r:embed="rId3">
+          <a:blip r:embed="rId4">
             <a:extLst>
               <a:ext uri="{28A0092B-C50C-407E-A947-70E740481C1C}">
                 <a14:useLocalDpi xmlns:a14="http://schemas.microsoft.com/office/drawing/2010/main" val="0"/>
@@ -3613,15 +4902,15 @@
           </p:nvPr>
         </p:nvPicPr>
         <p:blipFill>
-          <a:blip r:embed="rId2"/>
+          <a:blip r:embed="rId3"/>
           <a:stretch>
             <a:fillRect/>
           </a:stretch>
         </p:blipFill>
         <p:spPr>
           <a:xfrm>
-            <a:off x="5118204" y="863600"/>
-            <a:ext cx="4816267" cy="5121275"/>
+            <a:off x="4548572" y="309878"/>
+            <a:ext cx="5906643" cy="6280703"/>
           </a:xfrm>
           <a:prstGeom prst="rect">
             <a:avLst/>
@@ -3783,7 +5072,7 @@
           </p:nvPr>
         </p:nvPicPr>
         <p:blipFill>
-          <a:blip r:embed="rId2"/>
+          <a:blip r:embed="rId3"/>
           <a:stretch>
             <a:fillRect/>
           </a:stretch>
@@ -3807,7 +5096,7 @@
           <p:nvPr/>
         </p:nvPicPr>
         <p:blipFill>
-          <a:blip r:embed="rId3">
+          <a:blip r:embed="rId4">
             <a:extLst>
               <a:ext uri="{28A0092B-C50C-407E-A947-70E740481C1C}">
                 <a14:useLocalDpi xmlns:a14="http://schemas.microsoft.com/office/drawing/2010/main" val="0"/>
@@ -3882,7 +5171,11 @@
           <a:p>
             <a:r>
               <a:rPr lang="en-US" dirty="0" smtClean="0"/>
-              <a:t>World Select</a:t>
+              <a:t>Course </a:t>
+            </a:r>
+            <a:r>
+              <a:rPr lang="en-US" dirty="0" smtClean="0"/>
+              <a:t>Select</a:t>
             </a:r>
             <a:endParaRPr lang="en-US" dirty="0"/>
           </a:p>
@@ -3899,7 +5192,7 @@
           </p:nvPr>
         </p:nvPicPr>
         <p:blipFill>
-          <a:blip r:embed="rId2"/>
+          <a:blip r:embed="rId3"/>
           <a:stretch>
             <a:fillRect/>
           </a:stretch>
@@ -3923,7 +5216,7 @@
           <p:nvPr/>
         </p:nvPicPr>
         <p:blipFill>
-          <a:blip r:embed="rId3">
+          <a:blip r:embed="rId4">
             <a:extLst>
               <a:ext uri="{28A0092B-C50C-407E-A947-70E740481C1C}">
                 <a14:useLocalDpi xmlns:a14="http://schemas.microsoft.com/office/drawing/2010/main" val="0"/>
@@ -3998,7 +5291,7 @@
           <a:p>
             <a:r>
               <a:rPr lang="en-US" dirty="0" smtClean="0"/>
-              <a:t>Loading</a:t>
+              <a:t>Gameplay</a:t>
             </a:r>
             <a:endParaRPr lang="en-US" dirty="0"/>
           </a:p>
@@ -4015,7 +5308,7 @@
           </p:nvPr>
         </p:nvPicPr>
         <p:blipFill>
-          <a:blip r:embed="rId2"/>
+          <a:blip r:embed="rId3"/>
           <a:stretch>
             <a:fillRect/>
           </a:stretch>
@@ -4039,7 +5332,7 @@
           <p:nvPr/>
         </p:nvPicPr>
         <p:blipFill>
-          <a:blip r:embed="rId3">
+          <a:blip r:embed="rId4">
             <a:extLst>
               <a:ext uri="{28A0092B-C50C-407E-A947-70E740481C1C}">
                 <a14:useLocalDpi xmlns:a14="http://schemas.microsoft.com/office/drawing/2010/main" val="0"/>
@@ -4114,7 +5407,7 @@
           <a:p>
             <a:r>
               <a:rPr lang="en-US" dirty="0" smtClean="0"/>
-              <a:t>Loading</a:t>
+              <a:t>Gameplay</a:t>
             </a:r>
             <a:endParaRPr lang="en-US" dirty="0"/>
           </a:p>
@@ -4131,7 +5424,7 @@
           </p:nvPr>
         </p:nvPicPr>
         <p:blipFill>
-          <a:blip r:embed="rId2"/>
+          <a:blip r:embed="rId3"/>
           <a:stretch>
             <a:fillRect/>
           </a:stretch>
@@ -4155,7 +5448,7 @@
           <p:nvPr/>
         </p:nvPicPr>
         <p:blipFill>
-          <a:blip r:embed="rId3">
+          <a:blip r:embed="rId4">
             <a:extLst>
               <a:ext uri="{28A0092B-C50C-407E-A947-70E740481C1C}">
                 <a14:useLocalDpi xmlns:a14="http://schemas.microsoft.com/office/drawing/2010/main" val="0"/>
@@ -4230,7 +5523,7 @@
           <a:p>
             <a:r>
               <a:rPr lang="en-US" dirty="0" smtClean="0"/>
-              <a:t>Loading</a:t>
+              <a:t>Gameplay</a:t>
             </a:r>
             <a:endParaRPr lang="en-US" dirty="0"/>
           </a:p>
@@ -4247,7 +5540,7 @@
           </p:nvPr>
         </p:nvPicPr>
         <p:blipFill>
-          <a:blip r:embed="rId2"/>
+          <a:blip r:embed="rId3"/>
           <a:stretch>
             <a:fillRect/>
           </a:stretch>
@@ -4271,7 +5564,7 @@
           <p:nvPr/>
         </p:nvPicPr>
         <p:blipFill>
-          <a:blip r:embed="rId3">
+          <a:blip r:embed="rId4">
             <a:extLst>
               <a:ext uri="{28A0092B-C50C-407E-A947-70E740481C1C}">
                 <a14:useLocalDpi xmlns:a14="http://schemas.microsoft.com/office/drawing/2010/main" val="0"/>
@@ -4363,7 +5656,7 @@
           </p:nvPr>
         </p:nvPicPr>
         <p:blipFill>
-          <a:blip r:embed="rId2"/>
+          <a:blip r:embed="rId3"/>
           <a:stretch>
             <a:fillRect/>
           </a:stretch>
@@ -4387,7 +5680,7 @@
           <p:nvPr/>
         </p:nvPicPr>
         <p:blipFill>
-          <a:blip r:embed="rId3">
+          <a:blip r:embed="rId4">
             <a:extLst>
               <a:ext uri="{28A0092B-C50C-407E-A947-70E740481C1C}">
                 <a14:useLocalDpi xmlns:a14="http://schemas.microsoft.com/office/drawing/2010/main" val="0"/>
@@ -4479,7 +5772,7 @@
           </p:nvPr>
         </p:nvPicPr>
         <p:blipFill>
-          <a:blip r:embed="rId2"/>
+          <a:blip r:embed="rId3"/>
           <a:stretch>
             <a:fillRect/>
           </a:stretch>
@@ -4503,7 +5796,7 @@
           <p:nvPr/>
         </p:nvPicPr>
         <p:blipFill>
-          <a:blip r:embed="rId3">
+          <a:blip r:embed="rId4">
             <a:extLst>
               <a:ext uri="{28A0092B-C50C-407E-A947-70E740481C1C}">
                 <a14:useLocalDpi xmlns:a14="http://schemas.microsoft.com/office/drawing/2010/main" val="0"/>
@@ -4595,7 +5888,7 @@
           </p:nvPr>
         </p:nvPicPr>
         <p:blipFill>
-          <a:blip r:embed="rId2"/>
+          <a:blip r:embed="rId3"/>
           <a:stretch>
             <a:fillRect/>
           </a:stretch>
@@ -4619,7 +5912,7 @@
           <p:nvPr/>
         </p:nvPicPr>
         <p:blipFill>
-          <a:blip r:embed="rId3">
+          <a:blip r:embed="rId4">
             <a:extLst>
               <a:ext uri="{28A0092B-C50C-407E-A947-70E740481C1C}">
                 <a14:useLocalDpi xmlns:a14="http://schemas.microsoft.com/office/drawing/2010/main" val="0"/>
@@ -4889,4 +6182,265 @@
     </a:ext>
   </a:extLst>
 </a:theme>
+</file>
+
+<file path=ppt/theme/theme2.xml><?xml version="1.0" encoding="utf-8"?>
+<a:theme xmlns:a="http://schemas.openxmlformats.org/drawingml/2006/main" name="Office Theme">
+  <a:themeElements>
+    <a:clrScheme name="Office">
+      <a:dk1>
+        <a:sysClr val="windowText" lastClr="000000"/>
+      </a:dk1>
+      <a:lt1>
+        <a:sysClr val="window" lastClr="FFFFFF"/>
+      </a:lt1>
+      <a:dk2>
+        <a:srgbClr val="44546A"/>
+      </a:dk2>
+      <a:lt2>
+        <a:srgbClr val="E7E6E6"/>
+      </a:lt2>
+      <a:accent1>
+        <a:srgbClr val="5B9BD5"/>
+      </a:accent1>
+      <a:accent2>
+        <a:srgbClr val="ED7D31"/>
+      </a:accent2>
+      <a:accent3>
+        <a:srgbClr val="A5A5A5"/>
+      </a:accent3>
+      <a:accent4>
+        <a:srgbClr val="FFC000"/>
+      </a:accent4>
+      <a:accent5>
+        <a:srgbClr val="4472C4"/>
+      </a:accent5>
+      <a:accent6>
+        <a:srgbClr val="70AD47"/>
+      </a:accent6>
+      <a:hlink>
+        <a:srgbClr val="0563C1"/>
+      </a:hlink>
+      <a:folHlink>
+        <a:srgbClr val="954F72"/>
+      </a:folHlink>
+    </a:clrScheme>
+    <a:fontScheme name="Office">
+      <a:majorFont>
+        <a:latin typeface="Calibri Light" panose="020F0302020204030204"/>
+        <a:ea typeface=""/>
+        <a:cs typeface=""/>
+        <a:font script="Jpan" typeface="ＭＳ Ｐゴシック"/>
+        <a:font script="Hang" typeface="맑은 고딕"/>
+        <a:font script="Hans" typeface="宋体"/>
+        <a:font script="Hant" typeface="新細明體"/>
+        <a:font script="Arab" typeface="Times New Roman"/>
+        <a:font script="Hebr" typeface="Times New Roman"/>
+        <a:font script="Thai" typeface="Angsana New"/>
+        <a:font script="Ethi" typeface="Nyala"/>
+        <a:font script="Beng" typeface="Vrinda"/>
+        <a:font script="Gujr" typeface="Shruti"/>
+        <a:font script="Khmr" typeface="MoolBoran"/>
+        <a:font script="Knda" typeface="Tunga"/>
+        <a:font script="Guru" typeface="Raavi"/>
+        <a:font script="Cans" typeface="Euphemia"/>
+        <a:font script="Cher" typeface="Plantagenet Cherokee"/>
+        <a:font script="Yiii" typeface="Microsoft Yi Baiti"/>
+        <a:font script="Tibt" typeface="Microsoft Himalaya"/>
+        <a:font script="Thaa" typeface="MV Boli"/>
+        <a:font script="Deva" typeface="Mangal"/>
+        <a:font script="Telu" typeface="Gautami"/>
+        <a:font script="Taml" typeface="Latha"/>
+        <a:font script="Syrc" typeface="Estrangelo Edessa"/>
+        <a:font script="Orya" typeface="Kalinga"/>
+        <a:font script="Mlym" typeface="Kartika"/>
+        <a:font script="Laoo" typeface="DokChampa"/>
+        <a:font script="Sinh" typeface="Iskoola Pota"/>
+        <a:font script="Mong" typeface="Mongolian Baiti"/>
+        <a:font script="Viet" typeface="Times New Roman"/>
+        <a:font script="Uigh" typeface="Microsoft Uighur"/>
+        <a:font script="Geor" typeface="Sylfaen"/>
+      </a:majorFont>
+      <a:minorFont>
+        <a:latin typeface="Calibri" panose="020F0502020204030204"/>
+        <a:ea typeface=""/>
+        <a:cs typeface=""/>
+        <a:font script="Jpan" typeface="ＭＳ Ｐゴシック"/>
+        <a:font script="Hang" typeface="맑은 고딕"/>
+        <a:font script="Hans" typeface="宋体"/>
+        <a:font script="Hant" typeface="新細明體"/>
+        <a:font script="Arab" typeface="Arial"/>
+        <a:font script="Hebr" typeface="Arial"/>
+        <a:font script="Thai" typeface="Cordia New"/>
+        <a:font script="Ethi" typeface="Nyala"/>
+        <a:font script="Beng" typeface="Vrinda"/>
+        <a:font script="Gujr" typeface="Shruti"/>
+        <a:font script="Khmr" typeface="DaunPenh"/>
+        <a:font script="Knda" typeface="Tunga"/>
+        <a:font script="Guru" typeface="Raavi"/>
+        <a:font script="Cans" typeface="Euphemia"/>
+        <a:font script="Cher" typeface="Plantagenet Cherokee"/>
+        <a:font script="Yiii" typeface="Microsoft Yi Baiti"/>
+        <a:font script="Tibt" typeface="Microsoft Himalaya"/>
+        <a:font script="Thaa" typeface="MV Boli"/>
+        <a:font script="Deva" typeface="Mangal"/>
+        <a:font script="Telu" typeface="Gautami"/>
+        <a:font script="Taml" typeface="Latha"/>
+        <a:font script="Syrc" typeface="Estrangelo Edessa"/>
+        <a:font script="Orya" typeface="Kalinga"/>
+        <a:font script="Mlym" typeface="Kartika"/>
+        <a:font script="Laoo" typeface="DokChampa"/>
+        <a:font script="Sinh" typeface="Iskoola Pota"/>
+        <a:font script="Mong" typeface="Mongolian Baiti"/>
+        <a:font script="Viet" typeface="Arial"/>
+        <a:font script="Uigh" typeface="Microsoft Uighur"/>
+        <a:font script="Geor" typeface="Sylfaen"/>
+      </a:minorFont>
+    </a:fontScheme>
+    <a:fmtScheme name="Office">
+      <a:fillStyleLst>
+        <a:solidFill>
+          <a:schemeClr val="phClr"/>
+        </a:solidFill>
+        <a:gradFill rotWithShape="1">
+          <a:gsLst>
+            <a:gs pos="0">
+              <a:schemeClr val="phClr">
+                <a:lumMod val="110000"/>
+                <a:satMod val="105000"/>
+                <a:tint val="67000"/>
+              </a:schemeClr>
+            </a:gs>
+            <a:gs pos="50000">
+              <a:schemeClr val="phClr">
+                <a:lumMod val="105000"/>
+                <a:satMod val="103000"/>
+                <a:tint val="73000"/>
+              </a:schemeClr>
+            </a:gs>
+            <a:gs pos="100000">
+              <a:schemeClr val="phClr">
+                <a:lumMod val="105000"/>
+                <a:satMod val="109000"/>
+                <a:tint val="81000"/>
+              </a:schemeClr>
+            </a:gs>
+          </a:gsLst>
+          <a:lin ang="5400000" scaled="0"/>
+        </a:gradFill>
+        <a:gradFill rotWithShape="1">
+          <a:gsLst>
+            <a:gs pos="0">
+              <a:schemeClr val="phClr">
+                <a:satMod val="103000"/>
+                <a:lumMod val="102000"/>
+                <a:tint val="94000"/>
+              </a:schemeClr>
+            </a:gs>
+            <a:gs pos="50000">
+              <a:schemeClr val="phClr">
+                <a:satMod val="110000"/>
+                <a:lumMod val="100000"/>
+                <a:shade val="100000"/>
+              </a:schemeClr>
+            </a:gs>
+            <a:gs pos="100000">
+              <a:schemeClr val="phClr">
+                <a:lumMod val="99000"/>
+                <a:satMod val="120000"/>
+                <a:shade val="78000"/>
+              </a:schemeClr>
+            </a:gs>
+          </a:gsLst>
+          <a:lin ang="5400000" scaled="0"/>
+        </a:gradFill>
+      </a:fillStyleLst>
+      <a:lnStyleLst>
+        <a:ln w="6350" cap="flat" cmpd="sng" algn="ctr">
+          <a:solidFill>
+            <a:schemeClr val="phClr"/>
+          </a:solidFill>
+          <a:prstDash val="solid"/>
+          <a:miter lim="800000"/>
+        </a:ln>
+        <a:ln w="12700" cap="flat" cmpd="sng" algn="ctr">
+          <a:solidFill>
+            <a:schemeClr val="phClr"/>
+          </a:solidFill>
+          <a:prstDash val="solid"/>
+          <a:miter lim="800000"/>
+        </a:ln>
+        <a:ln w="19050" cap="flat" cmpd="sng" algn="ctr">
+          <a:solidFill>
+            <a:schemeClr val="phClr"/>
+          </a:solidFill>
+          <a:prstDash val="solid"/>
+          <a:miter lim="800000"/>
+        </a:ln>
+      </a:lnStyleLst>
+      <a:effectStyleLst>
+        <a:effectStyle>
+          <a:effectLst/>
+        </a:effectStyle>
+        <a:effectStyle>
+          <a:effectLst/>
+        </a:effectStyle>
+        <a:effectStyle>
+          <a:effectLst>
+            <a:outerShdw blurRad="57150" dist="19050" dir="5400000" algn="ctr" rotWithShape="0">
+              <a:srgbClr val="000000">
+                <a:alpha val="63000"/>
+              </a:srgbClr>
+            </a:outerShdw>
+          </a:effectLst>
+        </a:effectStyle>
+      </a:effectStyleLst>
+      <a:bgFillStyleLst>
+        <a:solidFill>
+          <a:schemeClr val="phClr"/>
+        </a:solidFill>
+        <a:solidFill>
+          <a:schemeClr val="phClr">
+            <a:tint val="95000"/>
+            <a:satMod val="170000"/>
+          </a:schemeClr>
+        </a:solidFill>
+        <a:gradFill rotWithShape="1">
+          <a:gsLst>
+            <a:gs pos="0">
+              <a:schemeClr val="phClr">
+                <a:tint val="93000"/>
+                <a:satMod val="150000"/>
+                <a:shade val="98000"/>
+                <a:lumMod val="102000"/>
+              </a:schemeClr>
+            </a:gs>
+            <a:gs pos="50000">
+              <a:schemeClr val="phClr">
+                <a:tint val="98000"/>
+                <a:satMod val="130000"/>
+                <a:shade val="90000"/>
+                <a:lumMod val="103000"/>
+              </a:schemeClr>
+            </a:gs>
+            <a:gs pos="100000">
+              <a:schemeClr val="phClr">
+                <a:shade val="63000"/>
+                <a:satMod val="120000"/>
+              </a:schemeClr>
+            </a:gs>
+          </a:gsLst>
+          <a:lin ang="5400000" scaled="0"/>
+        </a:gradFill>
+      </a:bgFillStyleLst>
+    </a:fmtScheme>
+  </a:themeElements>
+  <a:objectDefaults/>
+  <a:extraClrSchemeLst/>
+  <a:extLst>
+    <a:ext uri="{05A4C25C-085E-4340-85A3-A5531E510DB2}">
+      <thm15:themeFamily xmlns:thm15="http://schemas.microsoft.com/office/thememl/2012/main" name="Office Theme" id="{62F939B6-93AF-4DB8-9C6B-D6C7DFDC589F}" vid="{4A3C46E8-61CC-4603-A589-7422A47A8E4A}"/>
+    </a:ext>
+  </a:extLst>
+</a:theme>
 </file>
--- a/Week2/Kitty Cat Space Map Mockup.pptx
+++ b/Week2/Kitty Cat Space Map Mockup.pptx
@@ -5,21 +5,24 @@
     <p:sldMasterId id="2147483840" r:id="rId1"/>
   </p:sldMasterIdLst>
   <p:notesMasterIdLst>
-    <p:notesMasterId r:id="rId14"/>
+    <p:notesMasterId r:id="rId17"/>
   </p:notesMasterIdLst>
   <p:sldIdLst>
     <p:sldId id="256" r:id="rId2"/>
     <p:sldId id="259" r:id="rId3"/>
     <p:sldId id="261" r:id="rId4"/>
     <p:sldId id="260" r:id="rId5"/>
-    <p:sldId id="263" r:id="rId6"/>
-    <p:sldId id="262" r:id="rId7"/>
-    <p:sldId id="264" r:id="rId8"/>
-    <p:sldId id="265" r:id="rId9"/>
-    <p:sldId id="266" r:id="rId10"/>
-    <p:sldId id="267" r:id="rId11"/>
-    <p:sldId id="257" r:id="rId12"/>
-    <p:sldId id="258" r:id="rId13"/>
+    <p:sldId id="268" r:id="rId6"/>
+    <p:sldId id="263" r:id="rId7"/>
+    <p:sldId id="262" r:id="rId8"/>
+    <p:sldId id="264" r:id="rId9"/>
+    <p:sldId id="265" r:id="rId10"/>
+    <p:sldId id="266" r:id="rId11"/>
+    <p:sldId id="267" r:id="rId12"/>
+    <p:sldId id="269" r:id="rId13"/>
+    <p:sldId id="270" r:id="rId14"/>
+    <p:sldId id="257" r:id="rId15"/>
+    <p:sldId id="258" r:id="rId16"/>
   </p:sldIdLst>
   <p:sldSz cx="12192000" cy="6858000"/>
   <p:notesSz cx="6858000" cy="9144000"/>
@@ -208,7 +211,7 @@
           <a:p>
             <a:fld id="{2E200949-2D23-445E-AE2D-0D893D8813CE}" type="datetimeFigureOut">
               <a:rPr lang="en-US" smtClean="0"/>
-              <a:t>5/5/2016</a:t>
+              <a:t>5/6/2016</a:t>
             </a:fld>
             <a:endParaRPr lang="en-US"/>
           </a:p>
@@ -614,6 +617,282 @@
           <a:p>
             <a:r>
               <a:rPr lang="en-US" dirty="0" smtClean="0"/>
+              <a:t>Once</a:t>
+            </a:r>
+            <a:r>
+              <a:rPr lang="en-US" baseline="0" dirty="0" smtClean="0"/>
+              <a:t> the traveler has returned to the starting point the timer will stop, and the next challenge will be generated and follow the same gameplay steps.  There will be a total of 9 challenges per course (unless we change our minds), which get increasingly more difficult to solve.</a:t>
+            </a:r>
+            <a:endParaRPr lang="en-US" dirty="0"/>
+          </a:p>
+        </p:txBody>
+      </p:sp>
+      <p:sp>
+        <p:nvSpPr>
+          <p:cNvPr id="4" name="Slide Number Placeholder 3"/>
+          <p:cNvSpPr>
+            <a:spLocks noGrp="1"/>
+          </p:cNvSpPr>
+          <p:nvPr>
+            <p:ph type="sldNum" sz="quarter" idx="10"/>
+          </p:nvPr>
+        </p:nvSpPr>
+        <p:spPr/>
+        <p:txBody>
+          <a:bodyPr/>
+          <a:lstStyle/>
+          <a:p>
+            <a:fld id="{6A2A9820-5E2F-4F07-9BD2-E25B66066B2F}" type="slidenum">
+              <a:rPr lang="en-US" smtClean="0"/>
+              <a:t>11</a:t>
+            </a:fld>
+            <a:endParaRPr lang="en-US"/>
+          </a:p>
+        </p:txBody>
+      </p:sp>
+    </p:spTree>
+    <p:extLst>
+      <p:ext uri="{BB962C8B-B14F-4D97-AF65-F5344CB8AC3E}">
+        <p14:creationId xmlns:p14="http://schemas.microsoft.com/office/powerpoint/2010/main" val="3722278685"/>
+      </p:ext>
+    </p:extLst>
+  </p:cSld>
+  <p:clrMapOvr>
+    <a:masterClrMapping/>
+  </p:clrMapOvr>
+</p:notes>
+</file>
+
+<file path=ppt/notesSlides/notesSlide11.xml><?xml version="1.0" encoding="utf-8"?>
+<p:notes xmlns:a="http://schemas.openxmlformats.org/drawingml/2006/main" xmlns:r="http://schemas.openxmlformats.org/officeDocument/2006/relationships" xmlns:p="http://schemas.openxmlformats.org/presentationml/2006/main">
+  <p:cSld>
+    <p:spTree>
+      <p:nvGrpSpPr>
+        <p:cNvPr id="1" name=""/>
+        <p:cNvGrpSpPr/>
+        <p:nvPr/>
+      </p:nvGrpSpPr>
+      <p:grpSpPr>
+        <a:xfrm>
+          <a:off x="0" y="0"/>
+          <a:ext cx="0" cy="0"/>
+          <a:chOff x="0" y="0"/>
+          <a:chExt cx="0" cy="0"/>
+        </a:xfrm>
+      </p:grpSpPr>
+      <p:sp>
+        <p:nvSpPr>
+          <p:cNvPr id="2" name="Slide Image Placeholder 1"/>
+          <p:cNvSpPr>
+            <a:spLocks noGrp="1" noRot="1" noChangeAspect="1"/>
+          </p:cNvSpPr>
+          <p:nvPr>
+            <p:ph type="sldImg"/>
+          </p:nvPr>
+        </p:nvSpPr>
+        <p:spPr/>
+      </p:sp>
+      <p:sp>
+        <p:nvSpPr>
+          <p:cNvPr id="3" name="Notes Placeholder 2"/>
+          <p:cNvSpPr>
+            <a:spLocks noGrp="1"/>
+          </p:cNvSpPr>
+          <p:nvPr>
+            <p:ph type="body" idx="1"/>
+          </p:nvPr>
+        </p:nvSpPr>
+        <p:spPr/>
+        <p:txBody>
+          <a:bodyPr/>
+          <a:lstStyle/>
+          <a:p>
+            <a:r>
+              <a:rPr lang="en-US" dirty="0" smtClean="0"/>
+              <a:t>At any point</a:t>
+            </a:r>
+            <a:r>
+              <a:rPr lang="en-US" baseline="0" dirty="0" smtClean="0"/>
+              <a:t> in the game, the player will be able to hit the option menu button at the top right of the screen. In this menu they are able to visit the “Main Menu”, go back to “Course Select”, view their “Profile”, change their “settings” such as  changing the volume of the music and sound effects, or return to the previous screen.</a:t>
+            </a:r>
+            <a:endParaRPr lang="en-US" dirty="0"/>
+          </a:p>
+        </p:txBody>
+      </p:sp>
+      <p:sp>
+        <p:nvSpPr>
+          <p:cNvPr id="4" name="Slide Number Placeholder 3"/>
+          <p:cNvSpPr>
+            <a:spLocks noGrp="1"/>
+          </p:cNvSpPr>
+          <p:nvPr>
+            <p:ph type="sldNum" sz="quarter" idx="10"/>
+          </p:nvPr>
+        </p:nvSpPr>
+        <p:spPr/>
+        <p:txBody>
+          <a:bodyPr/>
+          <a:lstStyle/>
+          <a:p>
+            <a:fld id="{6A2A9820-5E2F-4F07-9BD2-E25B66066B2F}" type="slidenum">
+              <a:rPr lang="en-US" smtClean="0"/>
+              <a:t>12</a:t>
+            </a:fld>
+            <a:endParaRPr lang="en-US"/>
+          </a:p>
+        </p:txBody>
+      </p:sp>
+    </p:spTree>
+    <p:extLst>
+      <p:ext uri="{BB962C8B-B14F-4D97-AF65-F5344CB8AC3E}">
+        <p14:creationId xmlns:p14="http://schemas.microsoft.com/office/powerpoint/2010/main" val="1133424843"/>
+      </p:ext>
+    </p:extLst>
+  </p:cSld>
+  <p:clrMapOvr>
+    <a:masterClrMapping/>
+  </p:clrMapOvr>
+</p:notes>
+</file>
+
+<file path=ppt/notesSlides/notesSlide12.xml><?xml version="1.0" encoding="utf-8"?>
+<p:notes xmlns:a="http://schemas.openxmlformats.org/drawingml/2006/main" xmlns:r="http://schemas.openxmlformats.org/officeDocument/2006/relationships" xmlns:p="http://schemas.openxmlformats.org/presentationml/2006/main">
+  <p:cSld>
+    <p:spTree>
+      <p:nvGrpSpPr>
+        <p:cNvPr id="1" name=""/>
+        <p:cNvGrpSpPr/>
+        <p:nvPr/>
+      </p:nvGrpSpPr>
+      <p:grpSpPr>
+        <a:xfrm>
+          <a:off x="0" y="0"/>
+          <a:ext cx="0" cy="0"/>
+          <a:chOff x="0" y="0"/>
+          <a:chExt cx="0" cy="0"/>
+        </a:xfrm>
+      </p:grpSpPr>
+      <p:sp>
+        <p:nvSpPr>
+          <p:cNvPr id="2" name="Slide Image Placeholder 1"/>
+          <p:cNvSpPr>
+            <a:spLocks noGrp="1" noRot="1" noChangeAspect="1"/>
+          </p:cNvSpPr>
+          <p:nvPr>
+            <p:ph type="sldImg"/>
+          </p:nvPr>
+        </p:nvSpPr>
+        <p:spPr/>
+      </p:sp>
+      <p:sp>
+        <p:nvSpPr>
+          <p:cNvPr id="3" name="Notes Placeholder 2"/>
+          <p:cNvSpPr>
+            <a:spLocks noGrp="1"/>
+          </p:cNvSpPr>
+          <p:nvPr>
+            <p:ph type="body" idx="1"/>
+          </p:nvPr>
+        </p:nvSpPr>
+        <p:spPr/>
+        <p:txBody>
+          <a:bodyPr/>
+          <a:lstStyle/>
+          <a:p>
+            <a:r>
+              <a:rPr lang="en-US" dirty="0" smtClean="0"/>
+              <a:t>After</a:t>
+            </a:r>
+            <a:r>
+              <a:rPr lang="en-US" baseline="0" dirty="0" smtClean="0"/>
+              <a:t> completing all the challenges, a Results screen will pop up congratulating the player on completion. Here they will get feedback on their time and score. If the user is logged in, they will have the option of going to the “Track” screen and comparing their current attempt with their past scores. The “Continue” button will return the player to the course select screen. If they player has reached a certain number of points, the next level will be unlocked. </a:t>
+            </a:r>
+            <a:endParaRPr lang="en-US" dirty="0"/>
+          </a:p>
+        </p:txBody>
+      </p:sp>
+      <p:sp>
+        <p:nvSpPr>
+          <p:cNvPr id="4" name="Slide Number Placeholder 3"/>
+          <p:cNvSpPr>
+            <a:spLocks noGrp="1"/>
+          </p:cNvSpPr>
+          <p:nvPr>
+            <p:ph type="sldNum" sz="quarter" idx="10"/>
+          </p:nvPr>
+        </p:nvSpPr>
+        <p:spPr/>
+        <p:txBody>
+          <a:bodyPr/>
+          <a:lstStyle/>
+          <a:p>
+            <a:fld id="{6A2A9820-5E2F-4F07-9BD2-E25B66066B2F}" type="slidenum">
+              <a:rPr lang="en-US" smtClean="0"/>
+              <a:t>13</a:t>
+            </a:fld>
+            <a:endParaRPr lang="en-US"/>
+          </a:p>
+        </p:txBody>
+      </p:sp>
+    </p:spTree>
+    <p:extLst>
+      <p:ext uri="{BB962C8B-B14F-4D97-AF65-F5344CB8AC3E}">
+        <p14:creationId xmlns:p14="http://schemas.microsoft.com/office/powerpoint/2010/main" val="4042859368"/>
+      </p:ext>
+    </p:extLst>
+  </p:cSld>
+  <p:clrMapOvr>
+    <a:masterClrMapping/>
+  </p:clrMapOvr>
+</p:notes>
+</file>
+
+<file path=ppt/notesSlides/notesSlide13.xml><?xml version="1.0" encoding="utf-8"?>
+<p:notes xmlns:a="http://schemas.openxmlformats.org/drawingml/2006/main" xmlns:r="http://schemas.openxmlformats.org/officeDocument/2006/relationships" xmlns:p="http://schemas.openxmlformats.org/presentationml/2006/main">
+  <p:cSld>
+    <p:spTree>
+      <p:nvGrpSpPr>
+        <p:cNvPr id="1" name=""/>
+        <p:cNvGrpSpPr/>
+        <p:nvPr/>
+      </p:nvGrpSpPr>
+      <p:grpSpPr>
+        <a:xfrm>
+          <a:off x="0" y="0"/>
+          <a:ext cx="0" cy="0"/>
+          <a:chOff x="0" y="0"/>
+          <a:chExt cx="0" cy="0"/>
+        </a:xfrm>
+      </p:grpSpPr>
+      <p:sp>
+        <p:nvSpPr>
+          <p:cNvPr id="2" name="Slide Image Placeholder 1"/>
+          <p:cNvSpPr>
+            <a:spLocks noGrp="1" noRot="1" noChangeAspect="1"/>
+          </p:cNvSpPr>
+          <p:nvPr>
+            <p:ph type="sldImg"/>
+          </p:nvPr>
+        </p:nvSpPr>
+        <p:spPr/>
+      </p:sp>
+      <p:sp>
+        <p:nvSpPr>
+          <p:cNvPr id="3" name="Notes Placeholder 2"/>
+          <p:cNvSpPr>
+            <a:spLocks noGrp="1"/>
+          </p:cNvSpPr>
+          <p:nvPr>
+            <p:ph type="body" idx="1"/>
+          </p:nvPr>
+        </p:nvSpPr>
+        <p:spPr/>
+        <p:txBody>
+          <a:bodyPr/>
+          <a:lstStyle/>
+          <a:p>
+            <a:r>
+              <a:rPr lang="en-US" dirty="0" smtClean="0"/>
               <a:t>Initially the user is shown</a:t>
             </a:r>
             <a:r>
@@ -645,7 +924,7 @@
           <a:p>
             <a:fld id="{6A2A9820-5E2F-4F07-9BD2-E25B66066B2F}" type="slidenum">
               <a:rPr lang="en-US" smtClean="0"/>
-              <a:t>11</a:t>
+              <a:t>14</a:t>
             </a:fld>
             <a:endParaRPr lang="en-US"/>
           </a:p>
@@ -902,7 +1181,11 @@
           <a:p>
             <a:r>
               <a:rPr lang="en-US" dirty="0" smtClean="0"/>
-              <a:t>The next step of the game is that the map is populated with the player objects, which includes the player’s starting point, and colored nodes to indicate where you are required to go.</a:t>
+              <a:t>Our cat mascot will quickly explain how the game is played. After clicking the “next” button, he will jump into the tutorial</a:t>
+            </a:r>
+            <a:r>
+              <a:rPr lang="en-US" baseline="0" dirty="0" smtClean="0"/>
+              <a:t> level with you giving guidance on how to complete it.</a:t>
             </a:r>
             <a:endParaRPr lang="en-US" dirty="0"/>
           </a:p>
@@ -934,7 +1217,7 @@
     </p:spTree>
     <p:extLst>
       <p:ext uri="{BB962C8B-B14F-4D97-AF65-F5344CB8AC3E}">
-        <p14:creationId xmlns:p14="http://schemas.microsoft.com/office/powerpoint/2010/main" val="863837723"/>
+        <p14:creationId xmlns:p14="http://schemas.microsoft.com/office/powerpoint/2010/main" val="308302193"/>
       </p:ext>
     </p:extLst>
   </p:cSld>
@@ -990,11 +1273,7 @@
           <a:p>
             <a:r>
               <a:rPr lang="en-US" dirty="0" smtClean="0"/>
-              <a:t>Then a quick</a:t>
-            </a:r>
-            <a:r>
-              <a:rPr lang="en-US" baseline="0" dirty="0" smtClean="0"/>
-              <a:t> countdown of ready … go! Is displayed which starts the timer and allows users to input their path.</a:t>
+              <a:t>The next step of the game is that the map is populated with the player objects, which includes the player’s starting point, and colored nodes to indicate where you are required to go.</a:t>
             </a:r>
             <a:endParaRPr lang="en-US" dirty="0"/>
           </a:p>
@@ -1026,7 +1305,7 @@
     </p:spTree>
     <p:extLst>
       <p:ext uri="{BB962C8B-B14F-4D97-AF65-F5344CB8AC3E}">
-        <p14:creationId xmlns:p14="http://schemas.microsoft.com/office/powerpoint/2010/main" val="2960946452"/>
+        <p14:creationId xmlns:p14="http://schemas.microsoft.com/office/powerpoint/2010/main" val="863837723"/>
       </p:ext>
     </p:extLst>
   </p:cSld>
@@ -1082,19 +1361,11 @@
           <a:p>
             <a:r>
               <a:rPr lang="en-US" dirty="0" smtClean="0"/>
-              <a:t>The user then needs to start </a:t>
-            </a:r>
-            <a:r>
-              <a:rPr lang="en-US" dirty="0" err="1" smtClean="0"/>
-              <a:t>inputing</a:t>
-            </a:r>
-            <a:r>
-              <a:rPr lang="en-US" dirty="0" smtClean="0"/>
-              <a:t> their path as quickly as possible, they are then shown the count up timer and a</a:t>
+              <a:t>Then a quick</a:t>
             </a:r>
             <a:r>
               <a:rPr lang="en-US" baseline="0" dirty="0" smtClean="0"/>
-              <a:t> step back button, which allows users to undo their most recent step.  User will be able to tap the nodes that are connected to the player’s position, and tap through their path.  </a:t>
+              <a:t> countdown of ready … go! Is displayed which starts the timer and allows users to input their path.</a:t>
             </a:r>
             <a:endParaRPr lang="en-US" dirty="0"/>
           </a:p>
@@ -1126,7 +1397,7 @@
     </p:spTree>
     <p:extLst>
       <p:ext uri="{BB962C8B-B14F-4D97-AF65-F5344CB8AC3E}">
-        <p14:creationId xmlns:p14="http://schemas.microsoft.com/office/powerpoint/2010/main" val="2504293155"/>
+        <p14:creationId xmlns:p14="http://schemas.microsoft.com/office/powerpoint/2010/main" val="2960946452"/>
       </p:ext>
     </p:extLst>
   </p:cSld>
@@ -1182,11 +1453,19 @@
           <a:p>
             <a:r>
               <a:rPr lang="en-US" dirty="0" smtClean="0"/>
-              <a:t>The user’s path is completed when they</a:t>
+              <a:t>The user then needs to start </a:t>
+            </a:r>
+            <a:r>
+              <a:rPr lang="en-US" dirty="0" err="1" smtClean="0"/>
+              <a:t>inputing</a:t>
+            </a:r>
+            <a:r>
+              <a:rPr lang="en-US" dirty="0" smtClean="0"/>
+              <a:t> their path as quickly as possible, they are then shown the count up timer and a</a:t>
             </a:r>
             <a:r>
               <a:rPr lang="en-US" baseline="0" dirty="0" smtClean="0"/>
-              <a:t> have circled back to their starting point.  At which point the traveler will launch and start going through the path.</a:t>
+              <a:t> step back button, which allows users to undo their most recent step.  User will be able to tap the nodes that are connected to the player’s position, and tap through their path.  </a:t>
             </a:r>
             <a:endParaRPr lang="en-US" dirty="0"/>
           </a:p>
@@ -1218,7 +1497,7 @@
     </p:spTree>
     <p:extLst>
       <p:ext uri="{BB962C8B-B14F-4D97-AF65-F5344CB8AC3E}">
-        <p14:creationId xmlns:p14="http://schemas.microsoft.com/office/powerpoint/2010/main" val="521170702"/>
+        <p14:creationId xmlns:p14="http://schemas.microsoft.com/office/powerpoint/2010/main" val="2504293155"/>
       </p:ext>
     </p:extLst>
   </p:cSld>
@@ -1274,11 +1553,11 @@
           <a:p>
             <a:r>
               <a:rPr lang="en-US" dirty="0" smtClean="0"/>
-              <a:t>The traveler will go through each node that the player has selected</a:t>
+              <a:t>The user’s path is completed when they</a:t>
             </a:r>
             <a:r>
               <a:rPr lang="en-US" baseline="0" dirty="0" smtClean="0"/>
-              <a:t> at a set speed.  The timer will continue to run during their travels, which will affect their ending score.</a:t>
+              <a:t> have circled back to their starting point.  At which point the traveler will launch and start going through the path.</a:t>
             </a:r>
             <a:endParaRPr lang="en-US" dirty="0"/>
           </a:p>
@@ -1310,7 +1589,7 @@
     </p:spTree>
     <p:extLst>
       <p:ext uri="{BB962C8B-B14F-4D97-AF65-F5344CB8AC3E}">
-        <p14:creationId xmlns:p14="http://schemas.microsoft.com/office/powerpoint/2010/main" val="931777552"/>
+        <p14:creationId xmlns:p14="http://schemas.microsoft.com/office/powerpoint/2010/main" val="521170702"/>
       </p:ext>
     </p:extLst>
   </p:cSld>
@@ -1366,11 +1645,11 @@
           <a:p>
             <a:r>
               <a:rPr lang="en-US" dirty="0" smtClean="0"/>
-              <a:t>Once</a:t>
+              <a:t>The traveler will go through each node that the player has selected</a:t>
             </a:r>
             <a:r>
               <a:rPr lang="en-US" baseline="0" dirty="0" smtClean="0"/>
-              <a:t> the traveler has returned to the starting point the timer will stop, and the next challenge will be generated and follow the same gameplay steps.  There will be a total of 9 challenges per course (unless we change our minds), which get increasingly more difficult to solve.</a:t>
+              <a:t> at a set speed.  The timer will continue to run during their travels, which will affect their ending score.</a:t>
             </a:r>
             <a:endParaRPr lang="en-US" dirty="0"/>
           </a:p>
@@ -1402,7 +1681,7 @@
     </p:spTree>
     <p:extLst>
       <p:ext uri="{BB962C8B-B14F-4D97-AF65-F5344CB8AC3E}">
-        <p14:creationId xmlns:p14="http://schemas.microsoft.com/office/powerpoint/2010/main" val="3722278685"/>
+        <p14:creationId xmlns:p14="http://schemas.microsoft.com/office/powerpoint/2010/main" val="931777552"/>
       </p:ext>
     </p:extLst>
   </p:cSld>
@@ -1637,7 +1916,7 @@
             <a:fld id="{5586B75A-687E-405C-8A0B-8D00578BA2C3}" type="datetimeFigureOut">
               <a:rPr lang="en-US" dirty="0"/>
               <a:pPr/>
-              <a:t>5/5/2016</a:t>
+              <a:t>5/6/2016</a:t>
             </a:fld>
             <a:endParaRPr lang="en-US" dirty="0"/>
           </a:p>
@@ -1804,7 +2083,7 @@
             <a:fld id="{5586B75A-687E-405C-8A0B-8D00578BA2C3}" type="datetimeFigureOut">
               <a:rPr lang="en-US" dirty="0"/>
               <a:pPr/>
-              <a:t>5/5/2016</a:t>
+              <a:t>5/6/2016</a:t>
             </a:fld>
             <a:endParaRPr lang="en-US" dirty="0"/>
           </a:p>
@@ -1981,7 +2260,7 @@
             <a:fld id="{5586B75A-687E-405C-8A0B-8D00578BA2C3}" type="datetimeFigureOut">
               <a:rPr lang="en-US" dirty="0"/>
               <a:pPr/>
-              <a:t>5/5/2016</a:t>
+              <a:t>5/6/2016</a:t>
             </a:fld>
             <a:endParaRPr lang="en-US" dirty="0"/>
           </a:p>
@@ -2148,7 +2427,7 @@
             <a:fld id="{5586B75A-687E-405C-8A0B-8D00578BA2C3}" type="datetimeFigureOut">
               <a:rPr lang="en-US" dirty="0"/>
               <a:pPr/>
-              <a:t>5/5/2016</a:t>
+              <a:t>5/6/2016</a:t>
             </a:fld>
             <a:endParaRPr lang="en-US" dirty="0"/>
           </a:p>
@@ -2403,7 +2682,7 @@
             <a:fld id="{5586B75A-687E-405C-8A0B-8D00578BA2C3}" type="datetimeFigureOut">
               <a:rPr lang="en-US" dirty="0"/>
               <a:pPr/>
-              <a:t>5/5/2016</a:t>
+              <a:t>5/6/2016</a:t>
             </a:fld>
             <a:endParaRPr lang="en-US" dirty="0"/>
           </a:p>
@@ -2688,7 +2967,7 @@
             <a:fld id="{5586B75A-687E-405C-8A0B-8D00578BA2C3}" type="datetimeFigureOut">
               <a:rPr lang="en-US" dirty="0"/>
               <a:pPr/>
-              <a:t>5/5/2016</a:t>
+              <a:t>5/6/2016</a:t>
             </a:fld>
             <a:endParaRPr lang="en-US" dirty="0"/>
           </a:p>
@@ -3127,7 +3406,7 @@
             <a:fld id="{5586B75A-687E-405C-8A0B-8D00578BA2C3}" type="datetimeFigureOut">
               <a:rPr lang="en-US" dirty="0"/>
               <a:pPr/>
-              <a:t>5/5/2016</a:t>
+              <a:t>5/6/2016</a:t>
             </a:fld>
             <a:endParaRPr lang="en-US" dirty="0"/>
           </a:p>
@@ -3242,7 +3521,7 @@
             <a:fld id="{5586B75A-687E-405C-8A0B-8D00578BA2C3}" type="datetimeFigureOut">
               <a:rPr lang="en-US" dirty="0"/>
               <a:pPr/>
-              <a:t>5/5/2016</a:t>
+              <a:t>5/6/2016</a:t>
             </a:fld>
             <a:endParaRPr lang="en-US" dirty="0"/>
           </a:p>
@@ -3334,7 +3613,7 @@
             <a:fld id="{5586B75A-687E-405C-8A0B-8D00578BA2C3}" type="datetimeFigureOut">
               <a:rPr lang="en-US" dirty="0"/>
               <a:pPr/>
-              <a:t>5/5/2016</a:t>
+              <a:t>5/6/2016</a:t>
             </a:fld>
             <a:endParaRPr lang="en-US" dirty="0"/>
           </a:p>
@@ -3619,7 +3898,7 @@
             <a:fld id="{5586B75A-687E-405C-8A0B-8D00578BA2C3}" type="datetimeFigureOut">
               <a:rPr lang="en-US" dirty="0"/>
               <a:pPr/>
-              <a:t>5/5/2016</a:t>
+              <a:t>5/6/2016</a:t>
             </a:fld>
             <a:endParaRPr lang="en-US" dirty="0"/>
           </a:p>
@@ -3889,7 +4168,7 @@
             <a:fld id="{5586B75A-687E-405C-8A0B-8D00578BA2C3}" type="datetimeFigureOut">
               <a:rPr lang="en-US" dirty="0"/>
               <a:pPr/>
-              <a:t>5/5/2016</a:t>
+              <a:t>5/6/2016</a:t>
             </a:fld>
             <a:endParaRPr lang="en-US" dirty="0"/>
           </a:p>
@@ -4183,7 +4462,7 @@
             <a:fld id="{5586B75A-687E-405C-8A0B-8D00578BA2C3}" type="datetimeFigureOut">
               <a:rPr lang="en-US" dirty="0"/>
               <a:pPr/>
-              <a:t>5/5/2016</a:t>
+              <a:t>5/6/2016</a:t>
             </a:fld>
             <a:endParaRPr lang="en-US" dirty="0"/>
           </a:p>
@@ -4762,6 +5041,122 @@
           <a:p>
             <a:r>
               <a:rPr lang="en-US" dirty="0" smtClean="0"/>
+              <a:t>Gameplay</a:t>
+            </a:r>
+            <a:endParaRPr lang="en-US" dirty="0"/>
+          </a:p>
+        </p:txBody>
+      </p:sp>
+      <p:pic>
+        <p:nvPicPr>
+          <p:cNvPr id="4" name="Content Placeholder 3"/>
+          <p:cNvPicPr>
+            <a:picLocks noGrp="1" noChangeAspect="1"/>
+          </p:cNvPicPr>
+          <p:nvPr>
+            <p:ph idx="1"/>
+          </p:nvPr>
+        </p:nvPicPr>
+        <p:blipFill>
+          <a:blip r:embed="rId3"/>
+          <a:stretch>
+            <a:fillRect/>
+          </a:stretch>
+        </p:blipFill>
+        <p:spPr>
+          <a:xfrm>
+            <a:off x="3868738" y="1267912"/>
+            <a:ext cx="7315200" cy="4312650"/>
+          </a:xfrm>
+          <a:prstGeom prst="rect">
+            <a:avLst/>
+          </a:prstGeom>
+        </p:spPr>
+      </p:pic>
+      <p:pic>
+        <p:nvPicPr>
+          <p:cNvPr id="3" name="Picture 2"/>
+          <p:cNvPicPr>
+            <a:picLocks noChangeAspect="1"/>
+          </p:cNvPicPr>
+          <p:nvPr/>
+        </p:nvPicPr>
+        <p:blipFill>
+          <a:blip r:embed="rId4">
+            <a:extLst>
+              <a:ext uri="{28A0092B-C50C-407E-A947-70E740481C1C}">
+                <a14:useLocalDpi xmlns:a14="http://schemas.microsoft.com/office/drawing/2010/main" val="0"/>
+              </a:ext>
+            </a:extLst>
+          </a:blip>
+          <a:stretch>
+            <a:fillRect/>
+          </a:stretch>
+        </p:blipFill>
+        <p:spPr>
+          <a:xfrm>
+            <a:off x="5162282" y="1698937"/>
+            <a:ext cx="5159600" cy="3439733"/>
+          </a:xfrm>
+          <a:prstGeom prst="rect">
+            <a:avLst/>
+          </a:prstGeom>
+        </p:spPr>
+      </p:pic>
+    </p:spTree>
+    <p:extLst>
+      <p:ext uri="{BB962C8B-B14F-4D97-AF65-F5344CB8AC3E}">
+        <p14:creationId xmlns:p14="http://schemas.microsoft.com/office/powerpoint/2010/main" val="1271794591"/>
+      </p:ext>
+    </p:extLst>
+  </p:cSld>
+  <p:clrMapOvr>
+    <a:masterClrMapping/>
+  </p:clrMapOvr>
+  <p:timing>
+    <p:tnLst>
+      <p:par>
+        <p:cTn id="1" dur="indefinite" restart="never" nodeType="tmRoot"/>
+      </p:par>
+    </p:tnLst>
+  </p:timing>
+</p:sld>
+</file>
+
+<file path=ppt/slides/slide11.xml><?xml version="1.0" encoding="utf-8"?>
+<p:sld xmlns:a="http://schemas.openxmlformats.org/drawingml/2006/main" xmlns:r="http://schemas.openxmlformats.org/officeDocument/2006/relationships" xmlns:p="http://schemas.openxmlformats.org/presentationml/2006/main">
+  <p:cSld>
+    <p:spTree>
+      <p:nvGrpSpPr>
+        <p:cNvPr id="1" name=""/>
+        <p:cNvGrpSpPr/>
+        <p:nvPr/>
+      </p:nvGrpSpPr>
+      <p:grpSpPr>
+        <a:xfrm>
+          <a:off x="0" y="0"/>
+          <a:ext cx="0" cy="0"/>
+          <a:chOff x="0" y="0"/>
+          <a:chExt cx="0" cy="0"/>
+        </a:xfrm>
+      </p:grpSpPr>
+      <p:sp>
+        <p:nvSpPr>
+          <p:cNvPr id="2" name="Title 1"/>
+          <p:cNvSpPr>
+            <a:spLocks noGrp="1"/>
+          </p:cNvSpPr>
+          <p:nvPr>
+            <p:ph type="title"/>
+          </p:nvPr>
+        </p:nvSpPr>
+        <p:spPr/>
+        <p:txBody>
+          <a:bodyPr/>
+          <a:lstStyle/>
+          <a:p>
+            <a:r>
+              <a:rPr lang="en-US" dirty="0" smtClean="0"/>
               <a:t>More</a:t>
             </a:r>
             <a:br>
@@ -4851,7 +5246,239 @@
 </p:sld>
 </file>
 
-<file path=ppt/slides/slide11.xml><?xml version="1.0" encoding="utf-8"?>
+<file path=ppt/slides/slide12.xml><?xml version="1.0" encoding="utf-8"?>
+<p:sld xmlns:a="http://schemas.openxmlformats.org/drawingml/2006/main" xmlns:r="http://schemas.openxmlformats.org/officeDocument/2006/relationships" xmlns:p="http://schemas.openxmlformats.org/presentationml/2006/main">
+  <p:cSld>
+    <p:spTree>
+      <p:nvGrpSpPr>
+        <p:cNvPr id="1" name=""/>
+        <p:cNvGrpSpPr/>
+        <p:nvPr/>
+      </p:nvGrpSpPr>
+      <p:grpSpPr>
+        <a:xfrm>
+          <a:off x="0" y="0"/>
+          <a:ext cx="0" cy="0"/>
+          <a:chOff x="0" y="0"/>
+          <a:chExt cx="0" cy="0"/>
+        </a:xfrm>
+      </p:grpSpPr>
+      <p:sp>
+        <p:nvSpPr>
+          <p:cNvPr id="2" name="Title 1"/>
+          <p:cNvSpPr>
+            <a:spLocks noGrp="1"/>
+          </p:cNvSpPr>
+          <p:nvPr>
+            <p:ph type="title"/>
+          </p:nvPr>
+        </p:nvSpPr>
+        <p:spPr/>
+        <p:txBody>
+          <a:bodyPr/>
+          <a:lstStyle/>
+          <a:p>
+            <a:r>
+              <a:rPr lang="en-US" dirty="0" smtClean="0"/>
+              <a:t>Option Menu</a:t>
+            </a:r>
+            <a:endParaRPr lang="en-US" dirty="0"/>
+          </a:p>
+        </p:txBody>
+      </p:sp>
+      <p:pic>
+        <p:nvPicPr>
+          <p:cNvPr id="4" name="Content Placeholder 3"/>
+          <p:cNvPicPr>
+            <a:picLocks noGrp="1" noChangeAspect="1"/>
+          </p:cNvPicPr>
+          <p:nvPr>
+            <p:ph idx="1"/>
+          </p:nvPr>
+        </p:nvPicPr>
+        <p:blipFill>
+          <a:blip r:embed="rId3"/>
+          <a:stretch>
+            <a:fillRect/>
+          </a:stretch>
+        </p:blipFill>
+        <p:spPr>
+          <a:xfrm>
+            <a:off x="3868738" y="1267912"/>
+            <a:ext cx="7315200" cy="4312650"/>
+          </a:xfrm>
+          <a:prstGeom prst="rect">
+            <a:avLst/>
+          </a:prstGeom>
+        </p:spPr>
+      </p:pic>
+      <p:pic>
+        <p:nvPicPr>
+          <p:cNvPr id="8" name="Picture 7"/>
+          <p:cNvPicPr>
+            <a:picLocks noChangeAspect="1"/>
+          </p:cNvPicPr>
+          <p:nvPr/>
+        </p:nvPicPr>
+        <p:blipFill>
+          <a:blip r:embed="rId4">
+            <a:extLst>
+              <a:ext uri="{28A0092B-C50C-407E-A947-70E740481C1C}">
+                <a14:useLocalDpi xmlns:a14="http://schemas.microsoft.com/office/drawing/2010/main" val="0"/>
+              </a:ext>
+            </a:extLst>
+          </a:blip>
+          <a:stretch>
+            <a:fillRect/>
+          </a:stretch>
+        </p:blipFill>
+        <p:spPr>
+          <a:xfrm>
+            <a:off x="5069455" y="1697966"/>
+            <a:ext cx="5126967" cy="3417978"/>
+          </a:xfrm>
+          <a:prstGeom prst="rect">
+            <a:avLst/>
+          </a:prstGeom>
+        </p:spPr>
+      </p:pic>
+    </p:spTree>
+    <p:extLst>
+      <p:ext uri="{BB962C8B-B14F-4D97-AF65-F5344CB8AC3E}">
+        <p14:creationId xmlns:p14="http://schemas.microsoft.com/office/powerpoint/2010/main" val="3041879495"/>
+      </p:ext>
+    </p:extLst>
+  </p:cSld>
+  <p:clrMapOvr>
+    <a:masterClrMapping/>
+  </p:clrMapOvr>
+  <p:timing>
+    <p:tnLst>
+      <p:par>
+        <p:cTn id="1" dur="indefinite" restart="never" nodeType="tmRoot"/>
+      </p:par>
+    </p:tnLst>
+  </p:timing>
+</p:sld>
+</file>
+
+<file path=ppt/slides/slide13.xml><?xml version="1.0" encoding="utf-8"?>
+<p:sld xmlns:a="http://schemas.openxmlformats.org/drawingml/2006/main" xmlns:r="http://schemas.openxmlformats.org/officeDocument/2006/relationships" xmlns:p="http://schemas.openxmlformats.org/presentationml/2006/main">
+  <p:cSld>
+    <p:spTree>
+      <p:nvGrpSpPr>
+        <p:cNvPr id="1" name=""/>
+        <p:cNvGrpSpPr/>
+        <p:nvPr/>
+      </p:nvGrpSpPr>
+      <p:grpSpPr>
+        <a:xfrm>
+          <a:off x="0" y="0"/>
+          <a:ext cx="0" cy="0"/>
+          <a:chOff x="0" y="0"/>
+          <a:chExt cx="0" cy="0"/>
+        </a:xfrm>
+      </p:grpSpPr>
+      <p:sp>
+        <p:nvSpPr>
+          <p:cNvPr id="2" name="Title 1"/>
+          <p:cNvSpPr>
+            <a:spLocks noGrp="1"/>
+          </p:cNvSpPr>
+          <p:nvPr>
+            <p:ph type="title"/>
+          </p:nvPr>
+        </p:nvSpPr>
+        <p:spPr/>
+        <p:txBody>
+          <a:bodyPr/>
+          <a:lstStyle/>
+          <a:p>
+            <a:r>
+              <a:rPr lang="en-US" dirty="0" smtClean="0"/>
+              <a:t>Results</a:t>
+            </a:r>
+            <a:endParaRPr lang="en-US" dirty="0"/>
+          </a:p>
+        </p:txBody>
+      </p:sp>
+      <p:pic>
+        <p:nvPicPr>
+          <p:cNvPr id="4" name="Content Placeholder 3"/>
+          <p:cNvPicPr>
+            <a:picLocks noGrp="1" noChangeAspect="1"/>
+          </p:cNvPicPr>
+          <p:nvPr>
+            <p:ph idx="1"/>
+          </p:nvPr>
+        </p:nvPicPr>
+        <p:blipFill>
+          <a:blip r:embed="rId3"/>
+          <a:stretch>
+            <a:fillRect/>
+          </a:stretch>
+        </p:blipFill>
+        <p:spPr>
+          <a:xfrm>
+            <a:off x="3868738" y="1267912"/>
+            <a:ext cx="7315200" cy="4312650"/>
+          </a:xfrm>
+          <a:prstGeom prst="rect">
+            <a:avLst/>
+          </a:prstGeom>
+        </p:spPr>
+      </p:pic>
+      <p:pic>
+        <p:nvPicPr>
+          <p:cNvPr id="6" name="Picture 5"/>
+          <p:cNvPicPr>
+            <a:picLocks noChangeAspect="1"/>
+          </p:cNvPicPr>
+          <p:nvPr/>
+        </p:nvPicPr>
+        <p:blipFill>
+          <a:blip r:embed="rId4">
+            <a:extLst>
+              <a:ext uri="{28A0092B-C50C-407E-A947-70E740481C1C}">
+                <a14:useLocalDpi xmlns:a14="http://schemas.microsoft.com/office/drawing/2010/main" val="0"/>
+              </a:ext>
+            </a:extLst>
+          </a:blip>
+          <a:stretch>
+            <a:fillRect/>
+          </a:stretch>
+        </p:blipFill>
+        <p:spPr>
+          <a:xfrm>
+            <a:off x="5103961" y="1697965"/>
+            <a:ext cx="5109713" cy="3406475"/>
+          </a:xfrm>
+          <a:prstGeom prst="rect">
+            <a:avLst/>
+          </a:prstGeom>
+        </p:spPr>
+      </p:pic>
+    </p:spTree>
+    <p:extLst>
+      <p:ext uri="{BB962C8B-B14F-4D97-AF65-F5344CB8AC3E}">
+        <p14:creationId xmlns:p14="http://schemas.microsoft.com/office/powerpoint/2010/main" val="3278492838"/>
+      </p:ext>
+    </p:extLst>
+  </p:cSld>
+  <p:clrMapOvr>
+    <a:masterClrMapping/>
+  </p:clrMapOvr>
+  <p:timing>
+    <p:tnLst>
+      <p:par>
+        <p:cTn id="1" dur="indefinite" restart="never" nodeType="tmRoot"/>
+      </p:par>
+    </p:tnLst>
+  </p:timing>
+</p:sld>
+</file>
+
+<file path=ppt/slides/slide14.xml><?xml version="1.0" encoding="utf-8"?>
 <p:sld xmlns:a="http://schemas.openxmlformats.org/drawingml/2006/main" xmlns:r="http://schemas.openxmlformats.org/officeDocument/2006/relationships" xmlns:p="http://schemas.openxmlformats.org/presentationml/2006/main">
   <p:cSld>
     <p:spTree>
@@ -4937,7 +5564,7 @@
 </p:sld>
 </file>
 
-<file path=ppt/slides/slide12.xml><?xml version="1.0" encoding="utf-8"?>
+<file path=ppt/slides/slide15.xml><?xml version="1.0" encoding="utf-8"?>
 <p:sld xmlns:a="http://schemas.openxmlformats.org/drawingml/2006/main" xmlns:r="http://schemas.openxmlformats.org/officeDocument/2006/relationships" xmlns:p="http://schemas.openxmlformats.org/presentationml/2006/main">
   <p:cSld>
     <p:bg>
@@ -5171,11 +5798,7 @@
           <a:p>
             <a:r>
               <a:rPr lang="en-US" dirty="0" smtClean="0"/>
-              <a:t>Course </a:t>
-            </a:r>
-            <a:r>
-              <a:rPr lang="en-US" dirty="0" smtClean="0"/>
-              <a:t>Select</a:t>
+              <a:t>Course Select</a:t>
             </a:r>
             <a:endParaRPr lang="en-US" dirty="0"/>
           </a:p>
@@ -5407,6 +6030,122 @@
           <a:p>
             <a:r>
               <a:rPr lang="en-US" dirty="0" smtClean="0"/>
+              <a:t>Tutorial</a:t>
+            </a:r>
+            <a:endParaRPr lang="en-US" dirty="0"/>
+          </a:p>
+        </p:txBody>
+      </p:sp>
+      <p:pic>
+        <p:nvPicPr>
+          <p:cNvPr id="8" name="Content Placeholder 3"/>
+          <p:cNvPicPr>
+            <a:picLocks noGrp="1" noChangeAspect="1"/>
+          </p:cNvPicPr>
+          <p:nvPr>
+            <p:ph idx="1"/>
+          </p:nvPr>
+        </p:nvPicPr>
+        <p:blipFill>
+          <a:blip r:embed="rId3"/>
+          <a:stretch>
+            <a:fillRect/>
+          </a:stretch>
+        </p:blipFill>
+        <p:spPr>
+          <a:xfrm>
+            <a:off x="3868738" y="1268101"/>
+            <a:ext cx="7315200" cy="4312650"/>
+          </a:xfrm>
+          <a:prstGeom prst="rect">
+            <a:avLst/>
+          </a:prstGeom>
+        </p:spPr>
+      </p:pic>
+      <p:pic>
+        <p:nvPicPr>
+          <p:cNvPr id="7" name="Picture 6"/>
+          <p:cNvPicPr>
+            <a:picLocks noChangeAspect="1"/>
+          </p:cNvPicPr>
+          <p:nvPr/>
+        </p:nvPicPr>
+        <p:blipFill>
+          <a:blip r:embed="rId4">
+            <a:extLst>
+              <a:ext uri="{28A0092B-C50C-407E-A947-70E740481C1C}">
+                <a14:useLocalDpi xmlns:a14="http://schemas.microsoft.com/office/drawing/2010/main" val="0"/>
+              </a:ext>
+            </a:extLst>
+          </a:blip>
+          <a:stretch>
+            <a:fillRect/>
+          </a:stretch>
+        </p:blipFill>
+        <p:spPr>
+          <a:xfrm>
+            <a:off x="5103962" y="1697965"/>
+            <a:ext cx="5195978" cy="3463985"/>
+          </a:xfrm>
+          <a:prstGeom prst="rect">
+            <a:avLst/>
+          </a:prstGeom>
+        </p:spPr>
+      </p:pic>
+    </p:spTree>
+    <p:extLst>
+      <p:ext uri="{BB962C8B-B14F-4D97-AF65-F5344CB8AC3E}">
+        <p14:creationId xmlns:p14="http://schemas.microsoft.com/office/powerpoint/2010/main" val="875319961"/>
+      </p:ext>
+    </p:extLst>
+  </p:cSld>
+  <p:clrMapOvr>
+    <a:masterClrMapping/>
+  </p:clrMapOvr>
+  <p:timing>
+    <p:tnLst>
+      <p:par>
+        <p:cTn id="1" dur="indefinite" restart="never" nodeType="tmRoot"/>
+      </p:par>
+    </p:tnLst>
+  </p:timing>
+</p:sld>
+</file>
+
+<file path=ppt/slides/slide6.xml><?xml version="1.0" encoding="utf-8"?>
+<p:sld xmlns:a="http://schemas.openxmlformats.org/drawingml/2006/main" xmlns:r="http://schemas.openxmlformats.org/officeDocument/2006/relationships" xmlns:p="http://schemas.openxmlformats.org/presentationml/2006/main">
+  <p:cSld>
+    <p:spTree>
+      <p:nvGrpSpPr>
+        <p:cNvPr id="1" name=""/>
+        <p:cNvGrpSpPr/>
+        <p:nvPr/>
+      </p:nvGrpSpPr>
+      <p:grpSpPr>
+        <a:xfrm>
+          <a:off x="0" y="0"/>
+          <a:ext cx="0" cy="0"/>
+          <a:chOff x="0" y="0"/>
+          <a:chExt cx="0" cy="0"/>
+        </a:xfrm>
+      </p:grpSpPr>
+      <p:sp>
+        <p:nvSpPr>
+          <p:cNvPr id="2" name="Title 1"/>
+          <p:cNvSpPr>
+            <a:spLocks noGrp="1"/>
+          </p:cNvSpPr>
+          <p:nvPr>
+            <p:ph type="title"/>
+          </p:nvPr>
+        </p:nvSpPr>
+        <p:spPr/>
+        <p:txBody>
+          <a:bodyPr/>
+          <a:lstStyle/>
+          <a:p>
+            <a:r>
+              <a:rPr lang="en-US" dirty="0" smtClean="0"/>
               <a:t>Gameplay</a:t>
             </a:r>
             <a:endParaRPr lang="en-US" dirty="0"/>
@@ -5489,7 +6228,7 @@
 </p:sld>
 </file>
 
-<file path=ppt/slides/slide6.xml><?xml version="1.0" encoding="utf-8"?>
+<file path=ppt/slides/slide7.xml><?xml version="1.0" encoding="utf-8"?>
 <p:sld xmlns:a="http://schemas.openxmlformats.org/drawingml/2006/main" xmlns:r="http://schemas.openxmlformats.org/officeDocument/2006/relationships" xmlns:p="http://schemas.openxmlformats.org/presentationml/2006/main">
   <p:cSld>
     <p:spTree>
@@ -5605,7 +6344,7 @@
 </p:sld>
 </file>
 
-<file path=ppt/slides/slide7.xml><?xml version="1.0" encoding="utf-8"?>
+<file path=ppt/slides/slide8.xml><?xml version="1.0" encoding="utf-8"?>
 <p:sld xmlns:a="http://schemas.openxmlformats.org/drawingml/2006/main" xmlns:r="http://schemas.openxmlformats.org/officeDocument/2006/relationships" xmlns:p="http://schemas.openxmlformats.org/presentationml/2006/main">
   <p:cSld>
     <p:spTree>
@@ -5721,7 +6460,7 @@
 </p:sld>
 </file>
 
-<file path=ppt/slides/slide8.xml><?xml version="1.0" encoding="utf-8"?>
+<file path=ppt/slides/slide9.xml><?xml version="1.0" encoding="utf-8"?>
 <p:sld xmlns:a="http://schemas.openxmlformats.org/drawingml/2006/main" xmlns:r="http://schemas.openxmlformats.org/officeDocument/2006/relationships" xmlns:p="http://schemas.openxmlformats.org/presentationml/2006/main">
   <p:cSld>
     <p:spTree>
@@ -5821,122 +6560,6 @@
     <p:extLst>
       <p:ext uri="{BB962C8B-B14F-4D97-AF65-F5344CB8AC3E}">
         <p14:creationId xmlns:p14="http://schemas.microsoft.com/office/powerpoint/2010/main" val="1572441908"/>
-      </p:ext>
-    </p:extLst>
-  </p:cSld>
-  <p:clrMapOvr>
-    <a:masterClrMapping/>
-  </p:clrMapOvr>
-  <p:timing>
-    <p:tnLst>
-      <p:par>
-        <p:cTn id="1" dur="indefinite" restart="never" nodeType="tmRoot"/>
-      </p:par>
-    </p:tnLst>
-  </p:timing>
-</p:sld>
-</file>
-
-<file path=ppt/slides/slide9.xml><?xml version="1.0" encoding="utf-8"?>
-<p:sld xmlns:a="http://schemas.openxmlformats.org/drawingml/2006/main" xmlns:r="http://schemas.openxmlformats.org/officeDocument/2006/relationships" xmlns:p="http://schemas.openxmlformats.org/presentationml/2006/main">
-  <p:cSld>
-    <p:spTree>
-      <p:nvGrpSpPr>
-        <p:cNvPr id="1" name=""/>
-        <p:cNvGrpSpPr/>
-        <p:nvPr/>
-      </p:nvGrpSpPr>
-      <p:grpSpPr>
-        <a:xfrm>
-          <a:off x="0" y="0"/>
-          <a:ext cx="0" cy="0"/>
-          <a:chOff x="0" y="0"/>
-          <a:chExt cx="0" cy="0"/>
-        </a:xfrm>
-      </p:grpSpPr>
-      <p:sp>
-        <p:nvSpPr>
-          <p:cNvPr id="2" name="Title 1"/>
-          <p:cNvSpPr>
-            <a:spLocks noGrp="1"/>
-          </p:cNvSpPr>
-          <p:nvPr>
-            <p:ph type="title"/>
-          </p:nvPr>
-        </p:nvSpPr>
-        <p:spPr/>
-        <p:txBody>
-          <a:bodyPr/>
-          <a:lstStyle/>
-          <a:p>
-            <a:r>
-              <a:rPr lang="en-US" dirty="0" smtClean="0"/>
-              <a:t>Gameplay</a:t>
-            </a:r>
-            <a:endParaRPr lang="en-US" dirty="0"/>
-          </a:p>
-        </p:txBody>
-      </p:sp>
-      <p:pic>
-        <p:nvPicPr>
-          <p:cNvPr id="4" name="Content Placeholder 3"/>
-          <p:cNvPicPr>
-            <a:picLocks noGrp="1" noChangeAspect="1"/>
-          </p:cNvPicPr>
-          <p:nvPr>
-            <p:ph idx="1"/>
-          </p:nvPr>
-        </p:nvPicPr>
-        <p:blipFill>
-          <a:blip r:embed="rId3"/>
-          <a:stretch>
-            <a:fillRect/>
-          </a:stretch>
-        </p:blipFill>
-        <p:spPr>
-          <a:xfrm>
-            <a:off x="3868738" y="1267912"/>
-            <a:ext cx="7315200" cy="4312650"/>
-          </a:xfrm>
-          <a:prstGeom prst="rect">
-            <a:avLst/>
-          </a:prstGeom>
-        </p:spPr>
-      </p:pic>
-      <p:pic>
-        <p:nvPicPr>
-          <p:cNvPr id="3" name="Picture 2"/>
-          <p:cNvPicPr>
-            <a:picLocks noChangeAspect="1"/>
-          </p:cNvPicPr>
-          <p:nvPr/>
-        </p:nvPicPr>
-        <p:blipFill>
-          <a:blip r:embed="rId4">
-            <a:extLst>
-              <a:ext uri="{28A0092B-C50C-407E-A947-70E740481C1C}">
-                <a14:useLocalDpi xmlns:a14="http://schemas.microsoft.com/office/drawing/2010/main" val="0"/>
-              </a:ext>
-            </a:extLst>
-          </a:blip>
-          <a:stretch>
-            <a:fillRect/>
-          </a:stretch>
-        </p:blipFill>
-        <p:spPr>
-          <a:xfrm>
-            <a:off x="5162282" y="1698937"/>
-            <a:ext cx="5159600" cy="3439733"/>
-          </a:xfrm>
-          <a:prstGeom prst="rect">
-            <a:avLst/>
-          </a:prstGeom>
-        </p:spPr>
-      </p:pic>
-    </p:spTree>
-    <p:extLst>
-      <p:ext uri="{BB962C8B-B14F-4D97-AF65-F5344CB8AC3E}">
-        <p14:creationId xmlns:p14="http://schemas.microsoft.com/office/powerpoint/2010/main" val="1271794591"/>
       </p:ext>
     </p:extLst>
   </p:cSld>
